--- a/docs/ReactiveProgramming_1st.pptx
+++ b/docs/ReactiveProgramming_1st.pptx
@@ -5,7 +5,7 @@
     <p:sldMasterId id="2147483692" r:id="rId1"/>
   </p:sldMasterIdLst>
   <p:notesMasterIdLst>
-    <p:notesMasterId r:id="rId38"/>
+    <p:notesMasterId r:id="rId34"/>
   </p:notesMasterIdLst>
   <p:sldIdLst>
     <p:sldId id="256" r:id="rId2"/>
@@ -34,16 +34,12 @@
     <p:sldId id="283" r:id="rId25"/>
     <p:sldId id="281" r:id="rId26"/>
     <p:sldId id="284" r:id="rId27"/>
-    <p:sldId id="287" r:id="rId28"/>
-    <p:sldId id="286" r:id="rId29"/>
-    <p:sldId id="288" r:id="rId30"/>
-    <p:sldId id="289" r:id="rId31"/>
-    <p:sldId id="290" r:id="rId32"/>
-    <p:sldId id="291" r:id="rId33"/>
-    <p:sldId id="292" r:id="rId34"/>
-    <p:sldId id="293" r:id="rId35"/>
-    <p:sldId id="294" r:id="rId36"/>
-    <p:sldId id="295" r:id="rId37"/>
+    <p:sldId id="286" r:id="rId28"/>
+    <p:sldId id="291" r:id="rId29"/>
+    <p:sldId id="292" r:id="rId30"/>
+    <p:sldId id="293" r:id="rId31"/>
+    <p:sldId id="294" r:id="rId32"/>
+    <p:sldId id="295" r:id="rId33"/>
   </p:sldIdLst>
   <p:sldSz cx="12192000" cy="6858000"/>
   <p:notesSz cx="6858000" cy="9144000"/>
@@ -161,6 +157,598 @@
 </p:presentation>
 </file>
 
+<file path=ppt/revisionInfo.xml><?xml version="1.0" encoding="utf-8"?>
+<p1510:revInfo xmlns:a="http://schemas.openxmlformats.org/drawingml/2006/main" xmlns:r="http://schemas.openxmlformats.org/officeDocument/2006/relationships" xmlns:p1510="http://schemas.microsoft.com/office/powerpoint/2015/10/main">
+  <p1510:revLst>
+    <p1510:client id="{DAE4A33B-DF50-0B40-87C8-ADAD58DAD4DE}" v="4" dt="2021-07-05T17:06:35.213"/>
+  </p1510:revLst>
+</p1510:revInfo>
+</file>
+
+<file path=ppt/changesInfos/changesInfo1.xml><?xml version="1.0" encoding="utf-8"?>
+<pc:chgInfo xmlns:a="http://schemas.openxmlformats.org/drawingml/2006/main" xmlns:r="http://schemas.openxmlformats.org/officeDocument/2006/relationships" xmlns:ac="http://schemas.microsoft.com/office/drawing/2013/main/command" xmlns:pc="http://schemas.microsoft.com/office/powerpoint/2013/main/command">
+  <pc:docChgLst>
+    <pc:chgData name="김은택" userId="684cf5cc-8b3d-461b-8bf7-ad6019fe0313" providerId="ADAL" clId="{191AEB87-F6F5-AC4E-B662-D1B35B574A37}"/>
+    <pc:docChg chg="undo custSel delSld modSld">
+      <pc:chgData name="김은택" userId="684cf5cc-8b3d-461b-8bf7-ad6019fe0313" providerId="ADAL" clId="{191AEB87-F6F5-AC4E-B662-D1B35B574A37}" dt="2021-07-01T09:46:11.084" v="217" actId="26606"/>
+      <pc:docMkLst>
+        <pc:docMk/>
+      </pc:docMkLst>
+      <pc:sldChg chg="modSp mod">
+        <pc:chgData name="김은택" userId="684cf5cc-8b3d-461b-8bf7-ad6019fe0313" providerId="ADAL" clId="{191AEB87-F6F5-AC4E-B662-D1B35B574A37}" dt="2021-07-01T03:19:32.168" v="39" actId="20577"/>
+        <pc:sldMkLst>
+          <pc:docMk/>
+          <pc:sldMk cId="3970583188" sldId="256"/>
+        </pc:sldMkLst>
+        <pc:spChg chg="mod">
+          <ac:chgData name="김은택" userId="684cf5cc-8b3d-461b-8bf7-ad6019fe0313" providerId="ADAL" clId="{191AEB87-F6F5-AC4E-B662-D1B35B574A37}" dt="2021-07-01T03:19:32.168" v="39" actId="20577"/>
+          <ac:spMkLst>
+            <pc:docMk/>
+            <pc:sldMk cId="3970583188" sldId="256"/>
+            <ac:spMk id="3" creationId="{54A14E26-DB9F-E149-9766-8934DED2BA99}"/>
+          </ac:spMkLst>
+        </pc:spChg>
+      </pc:sldChg>
+      <pc:sldChg chg="addSp delSp modSp mod setBg setClrOvrMap">
+        <pc:chgData name="김은택" userId="684cf5cc-8b3d-461b-8bf7-ad6019fe0313" providerId="ADAL" clId="{191AEB87-F6F5-AC4E-B662-D1B35B574A37}" dt="2021-07-01T09:46:11.084" v="217" actId="26606"/>
+        <pc:sldMkLst>
+          <pc:docMk/>
+          <pc:sldMk cId="2978890113" sldId="259"/>
+        </pc:sldMkLst>
+        <pc:spChg chg="mod">
+          <ac:chgData name="김은택" userId="684cf5cc-8b3d-461b-8bf7-ad6019fe0313" providerId="ADAL" clId="{191AEB87-F6F5-AC4E-B662-D1B35B574A37}" dt="2021-07-01T09:46:11.084" v="217" actId="26606"/>
+          <ac:spMkLst>
+            <pc:docMk/>
+            <pc:sldMk cId="2978890113" sldId="259"/>
+            <ac:spMk id="2" creationId="{934C91D0-3E38-714A-A2F1-608506369517}"/>
+          </ac:spMkLst>
+        </pc:spChg>
+        <pc:spChg chg="add del">
+          <ac:chgData name="김은택" userId="684cf5cc-8b3d-461b-8bf7-ad6019fe0313" providerId="ADAL" clId="{191AEB87-F6F5-AC4E-B662-D1B35B574A37}" dt="2021-07-01T09:46:11.084" v="217" actId="26606"/>
+          <ac:spMkLst>
+            <pc:docMk/>
+            <pc:sldMk cId="2978890113" sldId="259"/>
+            <ac:spMk id="3" creationId="{8893C257-1B7C-F048-8891-468B9FB2E769}"/>
+          </ac:spMkLst>
+        </pc:spChg>
+        <pc:spChg chg="add del">
+          <ac:chgData name="김은택" userId="684cf5cc-8b3d-461b-8bf7-ad6019fe0313" providerId="ADAL" clId="{191AEB87-F6F5-AC4E-B662-D1B35B574A37}" dt="2021-07-01T09:46:11.084" v="217" actId="26606"/>
+          <ac:spMkLst>
+            <pc:docMk/>
+            <pc:sldMk cId="2978890113" sldId="259"/>
+            <ac:spMk id="8" creationId="{A65AC7D1-EAA9-48F5-B509-60A7F50BF703}"/>
+          </ac:spMkLst>
+        </pc:spChg>
+        <pc:spChg chg="add del">
+          <ac:chgData name="김은택" userId="684cf5cc-8b3d-461b-8bf7-ad6019fe0313" providerId="ADAL" clId="{191AEB87-F6F5-AC4E-B662-D1B35B574A37}" dt="2021-07-01T09:45:25.279" v="205" actId="26606"/>
+          <ac:spMkLst>
+            <pc:docMk/>
+            <pc:sldMk cId="2978890113" sldId="259"/>
+            <ac:spMk id="9" creationId="{655AE6B0-AC9E-4167-806F-E9DB135FC46B}"/>
+          </ac:spMkLst>
+        </pc:spChg>
+        <pc:spChg chg="add del">
+          <ac:chgData name="김은택" userId="684cf5cc-8b3d-461b-8bf7-ad6019fe0313" providerId="ADAL" clId="{191AEB87-F6F5-AC4E-B662-D1B35B574A37}" dt="2021-07-01T09:46:11.084" v="217" actId="26606"/>
+          <ac:spMkLst>
+            <pc:docMk/>
+            <pc:sldMk cId="2978890113" sldId="259"/>
+            <ac:spMk id="10" creationId="{D6320AF9-619A-4175-865B-5663E1AEF4C5}"/>
+          </ac:spMkLst>
+        </pc:spChg>
+        <pc:spChg chg="add del">
+          <ac:chgData name="김은택" userId="684cf5cc-8b3d-461b-8bf7-ad6019fe0313" providerId="ADAL" clId="{191AEB87-F6F5-AC4E-B662-D1B35B574A37}" dt="2021-07-01T09:45:30.937" v="207" actId="26606"/>
+          <ac:spMkLst>
+            <pc:docMk/>
+            <pc:sldMk cId="2978890113" sldId="259"/>
+            <ac:spMk id="13" creationId="{B2205F6E-03C6-4E92-877C-E2482F6599AA}"/>
+          </ac:spMkLst>
+        </pc:spChg>
+        <pc:spChg chg="add del">
+          <ac:chgData name="김은택" userId="684cf5cc-8b3d-461b-8bf7-ad6019fe0313" providerId="ADAL" clId="{191AEB87-F6F5-AC4E-B662-D1B35B574A37}" dt="2021-07-01T09:46:11.084" v="217" actId="26606"/>
+          <ac:spMkLst>
+            <pc:docMk/>
+            <pc:sldMk cId="2978890113" sldId="259"/>
+            <ac:spMk id="16" creationId="{7E018740-5C2B-4A41-AC1A-7E68D1EC1954}"/>
+          </ac:spMkLst>
+        </pc:spChg>
+        <pc:spChg chg="add del">
+          <ac:chgData name="김은택" userId="684cf5cc-8b3d-461b-8bf7-ad6019fe0313" providerId="ADAL" clId="{191AEB87-F6F5-AC4E-B662-D1B35B574A37}" dt="2021-07-01T09:46:11.084" v="217" actId="26606"/>
+          <ac:spMkLst>
+            <pc:docMk/>
+            <pc:sldMk cId="2978890113" sldId="259"/>
+            <ac:spMk id="18" creationId="{166F75A4-C475-4941-8EE2-B80A06A2C1BB}"/>
+          </ac:spMkLst>
+        </pc:spChg>
+        <pc:spChg chg="add del">
+          <ac:chgData name="김은택" userId="684cf5cc-8b3d-461b-8bf7-ad6019fe0313" providerId="ADAL" clId="{191AEB87-F6F5-AC4E-B662-D1B35B574A37}" dt="2021-07-01T09:46:11.084" v="217" actId="26606"/>
+          <ac:spMkLst>
+            <pc:docMk/>
+            <pc:sldMk cId="2978890113" sldId="259"/>
+            <ac:spMk id="20" creationId="{A032553A-72E8-4B0D-8405-FF9771C9AF05}"/>
+          </ac:spMkLst>
+        </pc:spChg>
+        <pc:spChg chg="add del">
+          <ac:chgData name="김은택" userId="684cf5cc-8b3d-461b-8bf7-ad6019fe0313" providerId="ADAL" clId="{191AEB87-F6F5-AC4E-B662-D1B35B574A37}" dt="2021-07-01T09:45:25.279" v="205" actId="26606"/>
+          <ac:spMkLst>
+            <pc:docMk/>
+            <pc:sldMk cId="2978890113" sldId="259"/>
+            <ac:spMk id="22" creationId="{87BD1F4E-A66D-4C06-86DA-8D56CA7A3B41}"/>
+          </ac:spMkLst>
+        </pc:spChg>
+        <pc:spChg chg="add del">
+          <ac:chgData name="김은택" userId="684cf5cc-8b3d-461b-8bf7-ad6019fe0313" providerId="ADAL" clId="{191AEB87-F6F5-AC4E-B662-D1B35B574A37}" dt="2021-07-01T09:45:30.937" v="207" actId="26606"/>
+          <ac:spMkLst>
+            <pc:docMk/>
+            <pc:sldMk cId="2978890113" sldId="259"/>
+            <ac:spMk id="24" creationId="{9F4444CE-BC8D-4D61-B303-4C05614E62AB}"/>
+          </ac:spMkLst>
+        </pc:spChg>
+        <pc:spChg chg="add del">
+          <ac:chgData name="김은택" userId="684cf5cc-8b3d-461b-8bf7-ad6019fe0313" providerId="ADAL" clId="{191AEB87-F6F5-AC4E-B662-D1B35B574A37}" dt="2021-07-01T09:45:30.937" v="207" actId="26606"/>
+          <ac:spMkLst>
+            <pc:docMk/>
+            <pc:sldMk cId="2978890113" sldId="259"/>
+            <ac:spMk id="25" creationId="{73772B81-181F-48B7-8826-4D9686D15DF5}"/>
+          </ac:spMkLst>
+        </pc:spChg>
+        <pc:spChg chg="add del">
+          <ac:chgData name="김은택" userId="684cf5cc-8b3d-461b-8bf7-ad6019fe0313" providerId="ADAL" clId="{191AEB87-F6F5-AC4E-B662-D1B35B574A37}" dt="2021-07-01T09:45:35.552" v="209" actId="26606"/>
+          <ac:spMkLst>
+            <pc:docMk/>
+            <pc:sldMk cId="2978890113" sldId="259"/>
+            <ac:spMk id="28" creationId="{9F4444CE-BC8D-4D61-B303-4C05614E62AB}"/>
+          </ac:spMkLst>
+        </pc:spChg>
+        <pc:spChg chg="add del">
+          <ac:chgData name="김은택" userId="684cf5cc-8b3d-461b-8bf7-ad6019fe0313" providerId="ADAL" clId="{191AEB87-F6F5-AC4E-B662-D1B35B574A37}" dt="2021-07-01T09:45:35.552" v="209" actId="26606"/>
+          <ac:spMkLst>
+            <pc:docMk/>
+            <pc:sldMk cId="2978890113" sldId="259"/>
+            <ac:spMk id="29" creationId="{73772B81-181F-48B7-8826-4D9686D15DF5}"/>
+          </ac:spMkLst>
+        </pc:spChg>
+        <pc:spChg chg="add del">
+          <ac:chgData name="김은택" userId="684cf5cc-8b3d-461b-8bf7-ad6019fe0313" providerId="ADAL" clId="{191AEB87-F6F5-AC4E-B662-D1B35B574A37}" dt="2021-07-01T09:45:35.552" v="209" actId="26606"/>
+          <ac:spMkLst>
+            <pc:docMk/>
+            <pc:sldMk cId="2978890113" sldId="259"/>
+            <ac:spMk id="30" creationId="{B2205F6E-03C6-4E92-877C-E2482F6599AA}"/>
+          </ac:spMkLst>
+        </pc:spChg>
+        <pc:spChg chg="add del">
+          <ac:chgData name="김은택" userId="684cf5cc-8b3d-461b-8bf7-ad6019fe0313" providerId="ADAL" clId="{191AEB87-F6F5-AC4E-B662-D1B35B574A37}" dt="2021-07-01T09:45:36.961" v="211" actId="26606"/>
+          <ac:spMkLst>
+            <pc:docMk/>
+            <pc:sldMk cId="2978890113" sldId="259"/>
+            <ac:spMk id="33" creationId="{9F4444CE-BC8D-4D61-B303-4C05614E62AB}"/>
+          </ac:spMkLst>
+        </pc:spChg>
+        <pc:spChg chg="add del">
+          <ac:chgData name="김은택" userId="684cf5cc-8b3d-461b-8bf7-ad6019fe0313" providerId="ADAL" clId="{191AEB87-F6F5-AC4E-B662-D1B35B574A37}" dt="2021-07-01T09:45:36.961" v="211" actId="26606"/>
+          <ac:spMkLst>
+            <pc:docMk/>
+            <pc:sldMk cId="2978890113" sldId="259"/>
+            <ac:spMk id="34" creationId="{73772B81-181F-48B7-8826-4D9686D15DF5}"/>
+          </ac:spMkLst>
+        </pc:spChg>
+        <pc:spChg chg="add del">
+          <ac:chgData name="김은택" userId="684cf5cc-8b3d-461b-8bf7-ad6019fe0313" providerId="ADAL" clId="{191AEB87-F6F5-AC4E-B662-D1B35B574A37}" dt="2021-07-01T09:45:36.961" v="211" actId="26606"/>
+          <ac:spMkLst>
+            <pc:docMk/>
+            <pc:sldMk cId="2978890113" sldId="259"/>
+            <ac:spMk id="35" creationId="{B2205F6E-03C6-4E92-877C-E2482F6599AA}"/>
+          </ac:spMkLst>
+        </pc:spChg>
+        <pc:spChg chg="add del">
+          <ac:chgData name="김은택" userId="684cf5cc-8b3d-461b-8bf7-ad6019fe0313" providerId="ADAL" clId="{191AEB87-F6F5-AC4E-B662-D1B35B574A37}" dt="2021-07-01T09:45:42.814" v="215" actId="26606"/>
+          <ac:spMkLst>
+            <pc:docMk/>
+            <pc:sldMk cId="2978890113" sldId="259"/>
+            <ac:spMk id="40" creationId="{655AE6B0-AC9E-4167-806F-E9DB135FC46B}"/>
+          </ac:spMkLst>
+        </pc:spChg>
+        <pc:spChg chg="add del">
+          <ac:chgData name="김은택" userId="684cf5cc-8b3d-461b-8bf7-ad6019fe0313" providerId="ADAL" clId="{191AEB87-F6F5-AC4E-B662-D1B35B574A37}" dt="2021-07-01T09:45:42.814" v="215" actId="26606"/>
+          <ac:spMkLst>
+            <pc:docMk/>
+            <pc:sldMk cId="2978890113" sldId="259"/>
+            <ac:spMk id="43" creationId="{87BD1F4E-A66D-4C06-86DA-8D56CA7A3B41}"/>
+          </ac:spMkLst>
+        </pc:spChg>
+        <pc:spChg chg="add del">
+          <ac:chgData name="김은택" userId="684cf5cc-8b3d-461b-8bf7-ad6019fe0313" providerId="ADAL" clId="{191AEB87-F6F5-AC4E-B662-D1B35B574A37}" dt="2021-07-01T09:46:11.084" v="217" actId="26606"/>
+          <ac:spMkLst>
+            <pc:docMk/>
+            <pc:sldMk cId="2978890113" sldId="259"/>
+            <ac:spMk id="46" creationId="{765800AC-C3B9-498E-87BC-29FAE4C76B21}"/>
+          </ac:spMkLst>
+        </pc:spChg>
+        <pc:spChg chg="add del">
+          <ac:chgData name="김은택" userId="684cf5cc-8b3d-461b-8bf7-ad6019fe0313" providerId="ADAL" clId="{191AEB87-F6F5-AC4E-B662-D1B35B574A37}" dt="2021-07-01T09:46:11.084" v="217" actId="26606"/>
+          <ac:spMkLst>
+            <pc:docMk/>
+            <pc:sldMk cId="2978890113" sldId="259"/>
+            <ac:spMk id="47" creationId="{1F9D6ACB-2FF4-49F9-978A-E0D5327FC635}"/>
+          </ac:spMkLst>
+        </pc:spChg>
+        <pc:spChg chg="add del">
+          <ac:chgData name="김은택" userId="684cf5cc-8b3d-461b-8bf7-ad6019fe0313" providerId="ADAL" clId="{191AEB87-F6F5-AC4E-B662-D1B35B574A37}" dt="2021-07-01T09:46:11.084" v="217" actId="26606"/>
+          <ac:spMkLst>
+            <pc:docMk/>
+            <pc:sldMk cId="2978890113" sldId="259"/>
+            <ac:spMk id="48" creationId="{142BFA2A-77A0-4F60-A32A-685681C84889}"/>
+          </ac:spMkLst>
+        </pc:spChg>
+        <pc:spChg chg="add del">
+          <ac:chgData name="김은택" userId="684cf5cc-8b3d-461b-8bf7-ad6019fe0313" providerId="ADAL" clId="{191AEB87-F6F5-AC4E-B662-D1B35B574A37}" dt="2021-07-01T09:46:11.084" v="217" actId="26606"/>
+          <ac:spMkLst>
+            <pc:docMk/>
+            <pc:sldMk cId="2978890113" sldId="259"/>
+            <ac:spMk id="49" creationId="{8893C257-1B7C-F048-8891-468B9FB2E769}"/>
+          </ac:spMkLst>
+        </pc:spChg>
+        <pc:grpChg chg="add del">
+          <ac:chgData name="김은택" userId="684cf5cc-8b3d-461b-8bf7-ad6019fe0313" providerId="ADAL" clId="{191AEB87-F6F5-AC4E-B662-D1B35B574A37}" dt="2021-07-01T09:45:25.279" v="205" actId="26606"/>
+          <ac:grpSpMkLst>
+            <pc:docMk/>
+            <pc:sldMk cId="2978890113" sldId="259"/>
+            <ac:grpSpMk id="11" creationId="{3523416A-383B-4FDC-B4C9-D8EDDFE9C043}"/>
+          </ac:grpSpMkLst>
+        </pc:grpChg>
+        <pc:grpChg chg="add del">
+          <ac:chgData name="김은택" userId="684cf5cc-8b3d-461b-8bf7-ad6019fe0313" providerId="ADAL" clId="{191AEB87-F6F5-AC4E-B662-D1B35B574A37}" dt="2021-07-01T09:45:42.814" v="215" actId="26606"/>
+          <ac:grpSpMkLst>
+            <pc:docMk/>
+            <pc:sldMk cId="2978890113" sldId="259"/>
+            <ac:grpSpMk id="41" creationId="{3523416A-383B-4FDC-B4C9-D8EDDFE9C043}"/>
+          </ac:grpSpMkLst>
+        </pc:grpChg>
+        <pc:graphicFrameChg chg="add del">
+          <ac:chgData name="김은택" userId="684cf5cc-8b3d-461b-8bf7-ad6019fe0313" providerId="ADAL" clId="{191AEB87-F6F5-AC4E-B662-D1B35B574A37}" dt="2021-07-01T09:45:25.279" v="205" actId="26606"/>
+          <ac:graphicFrameMkLst>
+            <pc:docMk/>
+            <pc:sldMk cId="2978890113" sldId="259"/>
+            <ac:graphicFrameMk id="5" creationId="{661B3D13-8CC0-40ED-9A28-65AD86C88A20}"/>
+          </ac:graphicFrameMkLst>
+        </pc:graphicFrameChg>
+        <pc:graphicFrameChg chg="add del">
+          <ac:chgData name="김은택" userId="684cf5cc-8b3d-461b-8bf7-ad6019fe0313" providerId="ADAL" clId="{191AEB87-F6F5-AC4E-B662-D1B35B574A37}" dt="2021-07-01T09:45:30.937" v="207" actId="26606"/>
+          <ac:graphicFrameMkLst>
+            <pc:docMk/>
+            <pc:sldMk cId="2978890113" sldId="259"/>
+            <ac:graphicFrameMk id="26" creationId="{F5BB2BE3-E166-4ECA-8644-E995857AE98F}"/>
+          </ac:graphicFrameMkLst>
+        </pc:graphicFrameChg>
+        <pc:graphicFrameChg chg="add del">
+          <ac:chgData name="김은택" userId="684cf5cc-8b3d-461b-8bf7-ad6019fe0313" providerId="ADAL" clId="{191AEB87-F6F5-AC4E-B662-D1B35B574A37}" dt="2021-07-01T09:45:35.552" v="209" actId="26606"/>
+          <ac:graphicFrameMkLst>
+            <pc:docMk/>
+            <pc:sldMk cId="2978890113" sldId="259"/>
+            <ac:graphicFrameMk id="31" creationId="{5E595C52-7329-42D5-941E-85AE81E19428}"/>
+          </ac:graphicFrameMkLst>
+        </pc:graphicFrameChg>
+        <pc:graphicFrameChg chg="add del">
+          <ac:chgData name="김은택" userId="684cf5cc-8b3d-461b-8bf7-ad6019fe0313" providerId="ADAL" clId="{191AEB87-F6F5-AC4E-B662-D1B35B574A37}" dt="2021-07-01T09:45:36.961" v="211" actId="26606"/>
+          <ac:graphicFrameMkLst>
+            <pc:docMk/>
+            <pc:sldMk cId="2978890113" sldId="259"/>
+            <ac:graphicFrameMk id="36" creationId="{F5BB2BE3-E166-4ECA-8644-E995857AE98F}"/>
+          </ac:graphicFrameMkLst>
+        </pc:graphicFrameChg>
+        <pc:graphicFrameChg chg="add del">
+          <ac:chgData name="김은택" userId="684cf5cc-8b3d-461b-8bf7-ad6019fe0313" providerId="ADAL" clId="{191AEB87-F6F5-AC4E-B662-D1B35B574A37}" dt="2021-07-01T09:45:39.207" v="213" actId="26606"/>
+          <ac:graphicFrameMkLst>
+            <pc:docMk/>
+            <pc:sldMk cId="2978890113" sldId="259"/>
+            <ac:graphicFrameMk id="38" creationId="{7A72F54A-7509-4A2F-A674-B97012CF5613}"/>
+          </ac:graphicFrameMkLst>
+        </pc:graphicFrameChg>
+        <pc:graphicFrameChg chg="add del">
+          <ac:chgData name="김은택" userId="684cf5cc-8b3d-461b-8bf7-ad6019fe0313" providerId="ADAL" clId="{191AEB87-F6F5-AC4E-B662-D1B35B574A37}" dt="2021-07-01T09:45:42.814" v="215" actId="26606"/>
+          <ac:graphicFrameMkLst>
+            <pc:docMk/>
+            <pc:sldMk cId="2978890113" sldId="259"/>
+            <ac:graphicFrameMk id="44" creationId="{19069128-60FB-4593-9429-473CBB31FD4C}"/>
+          </ac:graphicFrameMkLst>
+        </pc:graphicFrameChg>
+        <pc:cxnChg chg="add del">
+          <ac:chgData name="김은택" userId="684cf5cc-8b3d-461b-8bf7-ad6019fe0313" providerId="ADAL" clId="{191AEB87-F6F5-AC4E-B662-D1B35B574A37}" dt="2021-07-01T09:46:11.084" v="217" actId="26606"/>
+          <ac:cxnSpMkLst>
+            <pc:docMk/>
+            <pc:sldMk cId="2978890113" sldId="259"/>
+            <ac:cxnSpMk id="12" creationId="{063B6EC6-D752-4EE7-908B-F8F19E8C7FEA}"/>
+          </ac:cxnSpMkLst>
+        </pc:cxnChg>
+        <pc:cxnChg chg="add del">
+          <ac:chgData name="김은택" userId="684cf5cc-8b3d-461b-8bf7-ad6019fe0313" providerId="ADAL" clId="{191AEB87-F6F5-AC4E-B662-D1B35B574A37}" dt="2021-07-01T09:46:11.084" v="217" actId="26606"/>
+          <ac:cxnSpMkLst>
+            <pc:docMk/>
+            <pc:sldMk cId="2978890113" sldId="259"/>
+            <ac:cxnSpMk id="14" creationId="{EFECD4E8-AD3E-4228-82A2-9461958EA94D}"/>
+          </ac:cxnSpMkLst>
+        </pc:cxnChg>
+      </pc:sldChg>
+      <pc:sldChg chg="addSp delSp modSp mod">
+        <pc:chgData name="김은택" userId="684cf5cc-8b3d-461b-8bf7-ad6019fe0313" providerId="ADAL" clId="{191AEB87-F6F5-AC4E-B662-D1B35B574A37}" dt="2021-07-01T08:56:44.400" v="42"/>
+        <pc:sldMkLst>
+          <pc:docMk/>
+          <pc:sldMk cId="2693327182" sldId="271"/>
+        </pc:sldMkLst>
+        <pc:spChg chg="add del mod">
+          <ac:chgData name="김은택" userId="684cf5cc-8b3d-461b-8bf7-ad6019fe0313" providerId="ADAL" clId="{191AEB87-F6F5-AC4E-B662-D1B35B574A37}" dt="2021-07-01T08:56:44.400" v="42"/>
+          <ac:spMkLst>
+            <pc:docMk/>
+            <pc:sldMk cId="2693327182" sldId="271"/>
+            <ac:spMk id="4" creationId="{D30DFC45-17CC-8045-9A01-576C3EF9E948}"/>
+          </ac:spMkLst>
+        </pc:spChg>
+      </pc:sldChg>
+      <pc:sldChg chg="modSp mod">
+        <pc:chgData name="김은택" userId="684cf5cc-8b3d-461b-8bf7-ad6019fe0313" providerId="ADAL" clId="{191AEB87-F6F5-AC4E-B662-D1B35B574A37}" dt="2021-07-01T08:58:52.444" v="49" actId="20577"/>
+        <pc:sldMkLst>
+          <pc:docMk/>
+          <pc:sldMk cId="30075001" sldId="274"/>
+        </pc:sldMkLst>
+        <pc:spChg chg="mod">
+          <ac:chgData name="김은택" userId="684cf5cc-8b3d-461b-8bf7-ad6019fe0313" providerId="ADAL" clId="{191AEB87-F6F5-AC4E-B662-D1B35B574A37}" dt="2021-07-01T08:58:52.444" v="49" actId="20577"/>
+          <ac:spMkLst>
+            <pc:docMk/>
+            <pc:sldMk cId="30075001" sldId="274"/>
+            <ac:spMk id="4" creationId="{6824817D-A479-794A-B671-F618BFA80123}"/>
+          </ac:spMkLst>
+        </pc:spChg>
+      </pc:sldChg>
+      <pc:sldChg chg="addSp delSp modSp mod">
+        <pc:chgData name="김은택" userId="684cf5cc-8b3d-461b-8bf7-ad6019fe0313" providerId="ADAL" clId="{191AEB87-F6F5-AC4E-B662-D1B35B574A37}" dt="2021-07-01T09:06:20.070" v="189" actId="1035"/>
+        <pc:sldMkLst>
+          <pc:docMk/>
+          <pc:sldMk cId="1853861360" sldId="286"/>
+        </pc:sldMkLst>
+        <pc:spChg chg="mod">
+          <ac:chgData name="김은택" userId="684cf5cc-8b3d-461b-8bf7-ad6019fe0313" providerId="ADAL" clId="{191AEB87-F6F5-AC4E-B662-D1B35B574A37}" dt="2021-07-01T09:06:08.305" v="188" actId="20577"/>
+          <ac:spMkLst>
+            <pc:docMk/>
+            <pc:sldMk cId="1853861360" sldId="286"/>
+            <ac:spMk id="2" creationId="{0D6D7969-5C8A-CB46-95EA-8A9D641E404B}"/>
+          </ac:spMkLst>
+        </pc:spChg>
+        <pc:spChg chg="add del mod">
+          <ac:chgData name="김은택" userId="684cf5cc-8b3d-461b-8bf7-ad6019fe0313" providerId="ADAL" clId="{191AEB87-F6F5-AC4E-B662-D1B35B574A37}" dt="2021-07-01T09:00:56.599" v="64" actId="478"/>
+          <ac:spMkLst>
+            <pc:docMk/>
+            <pc:sldMk cId="1853861360" sldId="286"/>
+            <ac:spMk id="3" creationId="{37371CC4-66DB-934A-A3BD-72655790BC6C}"/>
+          </ac:spMkLst>
+        </pc:spChg>
+        <pc:spChg chg="add mod">
+          <ac:chgData name="김은택" userId="684cf5cc-8b3d-461b-8bf7-ad6019fe0313" providerId="ADAL" clId="{191AEB87-F6F5-AC4E-B662-D1B35B574A37}" dt="2021-07-01T09:03:48.279" v="170" actId="164"/>
+          <ac:spMkLst>
+            <pc:docMk/>
+            <pc:sldMk cId="1853861360" sldId="286"/>
+            <ac:spMk id="4" creationId="{8F76E4BC-3A24-0745-A4CE-BDA17EB75030}"/>
+          </ac:spMkLst>
+        </pc:spChg>
+        <pc:spChg chg="add mod">
+          <ac:chgData name="김은택" userId="684cf5cc-8b3d-461b-8bf7-ad6019fe0313" providerId="ADAL" clId="{191AEB87-F6F5-AC4E-B662-D1B35B574A37}" dt="2021-07-01T09:03:48.279" v="170" actId="164"/>
+          <ac:spMkLst>
+            <pc:docMk/>
+            <pc:sldMk cId="1853861360" sldId="286"/>
+            <ac:spMk id="6" creationId="{AD98E9C1-613B-C146-AF01-270DFB242333}"/>
+          </ac:spMkLst>
+        </pc:spChg>
+        <pc:spChg chg="add mod">
+          <ac:chgData name="김은택" userId="684cf5cc-8b3d-461b-8bf7-ad6019fe0313" providerId="ADAL" clId="{191AEB87-F6F5-AC4E-B662-D1B35B574A37}" dt="2021-07-01T09:03:48.279" v="170" actId="164"/>
+          <ac:spMkLst>
+            <pc:docMk/>
+            <pc:sldMk cId="1853861360" sldId="286"/>
+            <ac:spMk id="8" creationId="{B21A030F-8EC7-ED48-B151-61A8C36C41CC}"/>
+          </ac:spMkLst>
+        </pc:spChg>
+        <pc:spChg chg="add mod">
+          <ac:chgData name="김은택" userId="684cf5cc-8b3d-461b-8bf7-ad6019fe0313" providerId="ADAL" clId="{191AEB87-F6F5-AC4E-B662-D1B35B574A37}" dt="2021-07-01T09:06:20.070" v="189" actId="1035"/>
+          <ac:spMkLst>
+            <pc:docMk/>
+            <pc:sldMk cId="1853861360" sldId="286"/>
+            <ac:spMk id="12" creationId="{FCF2534D-6E0F-4140-A84A-124E7654D63F}"/>
+          </ac:spMkLst>
+        </pc:spChg>
+        <pc:spChg chg="add mod">
+          <ac:chgData name="김은택" userId="684cf5cc-8b3d-461b-8bf7-ad6019fe0313" providerId="ADAL" clId="{191AEB87-F6F5-AC4E-B662-D1B35B574A37}" dt="2021-07-01T09:03:48.279" v="170" actId="164"/>
+          <ac:spMkLst>
+            <pc:docMk/>
+            <pc:sldMk cId="1853861360" sldId="286"/>
+            <ac:spMk id="13" creationId="{9574A8F4-2C8E-CD42-9FB4-964A5F3DA666}"/>
+          </ac:spMkLst>
+        </pc:spChg>
+        <pc:grpChg chg="add mod">
+          <ac:chgData name="김은택" userId="684cf5cc-8b3d-461b-8bf7-ad6019fe0313" providerId="ADAL" clId="{191AEB87-F6F5-AC4E-B662-D1B35B574A37}" dt="2021-07-01T09:03:50.850" v="171" actId="1076"/>
+          <ac:grpSpMkLst>
+            <pc:docMk/>
+            <pc:sldMk cId="1853861360" sldId="286"/>
+            <ac:grpSpMk id="14" creationId="{20672A39-8E22-7843-9E68-A1C4C3E4A880}"/>
+          </ac:grpSpMkLst>
+        </pc:grpChg>
+        <pc:picChg chg="del mod">
+          <ac:chgData name="김은택" userId="684cf5cc-8b3d-461b-8bf7-ad6019fe0313" providerId="ADAL" clId="{191AEB87-F6F5-AC4E-B662-D1B35B574A37}" dt="2021-07-01T09:03:37.449" v="169" actId="478"/>
+          <ac:picMkLst>
+            <pc:docMk/>
+            <pc:sldMk cId="1853861360" sldId="286"/>
+            <ac:picMk id="9" creationId="{816F1E0A-EE7C-954C-80AC-8D7B876BC63A}"/>
+          </ac:picMkLst>
+        </pc:picChg>
+        <pc:cxnChg chg="add mod">
+          <ac:chgData name="김은택" userId="684cf5cc-8b3d-461b-8bf7-ad6019fe0313" providerId="ADAL" clId="{191AEB87-F6F5-AC4E-B662-D1B35B574A37}" dt="2021-07-01T09:03:48.279" v="170" actId="164"/>
+          <ac:cxnSpMkLst>
+            <pc:docMk/>
+            <pc:sldMk cId="1853861360" sldId="286"/>
+            <ac:cxnSpMk id="7" creationId="{7D6F0294-3685-F344-92DB-F184E4CDE90C}"/>
+          </ac:cxnSpMkLst>
+        </pc:cxnChg>
+        <pc:cxnChg chg="add mod">
+          <ac:chgData name="김은택" userId="684cf5cc-8b3d-461b-8bf7-ad6019fe0313" providerId="ADAL" clId="{191AEB87-F6F5-AC4E-B662-D1B35B574A37}" dt="2021-07-01T09:03:48.279" v="170" actId="164"/>
+          <ac:cxnSpMkLst>
+            <pc:docMk/>
+            <pc:sldMk cId="1853861360" sldId="286"/>
+            <ac:cxnSpMk id="10" creationId="{FB5092FF-4BF6-B748-B90F-B99BF6D85790}"/>
+          </ac:cxnSpMkLst>
+        </pc:cxnChg>
+        <pc:cxnChg chg="add mod">
+          <ac:chgData name="김은택" userId="684cf5cc-8b3d-461b-8bf7-ad6019fe0313" providerId="ADAL" clId="{191AEB87-F6F5-AC4E-B662-D1B35B574A37}" dt="2021-07-01T09:03:48.279" v="170" actId="164"/>
+          <ac:cxnSpMkLst>
+            <pc:docMk/>
+            <pc:sldMk cId="1853861360" sldId="286"/>
+            <ac:cxnSpMk id="11" creationId="{37D5F780-A10A-5E42-929A-BC803248684A}"/>
+          </ac:cxnSpMkLst>
+        </pc:cxnChg>
+      </pc:sldChg>
+      <pc:sldChg chg="del">
+        <pc:chgData name="김은택" userId="684cf5cc-8b3d-461b-8bf7-ad6019fe0313" providerId="ADAL" clId="{191AEB87-F6F5-AC4E-B662-D1B35B574A37}" dt="2021-07-01T09:07:15.241" v="190" actId="2696"/>
+        <pc:sldMkLst>
+          <pc:docMk/>
+          <pc:sldMk cId="3815974612" sldId="287"/>
+        </pc:sldMkLst>
+      </pc:sldChg>
+      <pc:sldChg chg="del">
+        <pc:chgData name="김은택" userId="684cf5cc-8b3d-461b-8bf7-ad6019fe0313" providerId="ADAL" clId="{191AEB87-F6F5-AC4E-B662-D1B35B574A37}" dt="2021-07-01T09:00:10.423" v="51" actId="2696"/>
+        <pc:sldMkLst>
+          <pc:docMk/>
+          <pc:sldMk cId="3697105878" sldId="288"/>
+        </pc:sldMkLst>
+      </pc:sldChg>
+      <pc:sldChg chg="del">
+        <pc:chgData name="김은택" userId="684cf5cc-8b3d-461b-8bf7-ad6019fe0313" providerId="ADAL" clId="{191AEB87-F6F5-AC4E-B662-D1B35B574A37}" dt="2021-07-01T08:59:45.502" v="50" actId="2696"/>
+        <pc:sldMkLst>
+          <pc:docMk/>
+          <pc:sldMk cId="836000379" sldId="289"/>
+        </pc:sldMkLst>
+      </pc:sldChg>
+      <pc:sldChg chg="del">
+        <pc:chgData name="김은택" userId="684cf5cc-8b3d-461b-8bf7-ad6019fe0313" providerId="ADAL" clId="{191AEB87-F6F5-AC4E-B662-D1B35B574A37}" dt="2021-07-01T09:09:40.866" v="191" actId="2696"/>
+        <pc:sldMkLst>
+          <pc:docMk/>
+          <pc:sldMk cId="334497109" sldId="290"/>
+        </pc:sldMkLst>
+      </pc:sldChg>
+      <pc:sldChg chg="addSp delSp modSp mod">
+        <pc:chgData name="김은택" userId="684cf5cc-8b3d-461b-8bf7-ad6019fe0313" providerId="ADAL" clId="{191AEB87-F6F5-AC4E-B662-D1B35B574A37}" dt="2021-07-01T09:13:49.832" v="196" actId="1076"/>
+        <pc:sldMkLst>
+          <pc:docMk/>
+          <pc:sldMk cId="2660234796" sldId="292"/>
+        </pc:sldMkLst>
+        <pc:spChg chg="add del">
+          <ac:chgData name="김은택" userId="684cf5cc-8b3d-461b-8bf7-ad6019fe0313" providerId="ADAL" clId="{191AEB87-F6F5-AC4E-B662-D1B35B574A37}" dt="2021-07-01T09:13:41.936" v="193" actId="478"/>
+          <ac:spMkLst>
+            <pc:docMk/>
+            <pc:sldMk cId="2660234796" sldId="292"/>
+            <ac:spMk id="3" creationId="{51DCAF0A-3A9E-944D-B56E-49AD009613CD}"/>
+          </ac:spMkLst>
+        </pc:spChg>
+        <pc:picChg chg="del">
+          <ac:chgData name="김은택" userId="684cf5cc-8b3d-461b-8bf7-ad6019fe0313" providerId="ADAL" clId="{191AEB87-F6F5-AC4E-B662-D1B35B574A37}" dt="2021-07-01T09:13:47.308" v="195" actId="478"/>
+          <ac:picMkLst>
+            <pc:docMk/>
+            <pc:sldMk cId="2660234796" sldId="292"/>
+            <ac:picMk id="5" creationId="{0544EA55-A076-5D46-97E5-D2DA6D1447EF}"/>
+          </ac:picMkLst>
+        </pc:picChg>
+        <pc:picChg chg="add mod">
+          <ac:chgData name="김은택" userId="684cf5cc-8b3d-461b-8bf7-ad6019fe0313" providerId="ADAL" clId="{191AEB87-F6F5-AC4E-B662-D1B35B574A37}" dt="2021-07-01T09:13:49.832" v="196" actId="1076"/>
+          <ac:picMkLst>
+            <pc:docMk/>
+            <pc:sldMk cId="2660234796" sldId="292"/>
+            <ac:picMk id="6" creationId="{1AC288AC-B8A9-344D-ACA0-DC2CB1DF2566}"/>
+          </ac:picMkLst>
+        </pc:picChg>
+      </pc:sldChg>
+      <pc:sldChg chg="modSp mod">
+        <pc:chgData name="김은택" userId="684cf5cc-8b3d-461b-8bf7-ad6019fe0313" providerId="ADAL" clId="{191AEB87-F6F5-AC4E-B662-D1B35B574A37}" dt="2021-07-01T09:14:08.093" v="203" actId="20577"/>
+        <pc:sldMkLst>
+          <pc:docMk/>
+          <pc:sldMk cId="1003128278" sldId="293"/>
+        </pc:sldMkLst>
+        <pc:spChg chg="mod">
+          <ac:chgData name="김은택" userId="684cf5cc-8b3d-461b-8bf7-ad6019fe0313" providerId="ADAL" clId="{191AEB87-F6F5-AC4E-B662-D1B35B574A37}" dt="2021-07-01T09:14:08.093" v="203" actId="20577"/>
+          <ac:spMkLst>
+            <pc:docMk/>
+            <pc:sldMk cId="1003128278" sldId="293"/>
+            <ac:spMk id="2" creationId="{D2FF0148-4670-644F-9BA4-881C905C3913}"/>
+          </ac:spMkLst>
+        </pc:spChg>
+      </pc:sldChg>
+    </pc:docChg>
+  </pc:docChgLst>
+  <pc:docChgLst>
+    <pc:chgData name="김은택" userId="684cf5cc-8b3d-461b-8bf7-ad6019fe0313" providerId="ADAL" clId="{DAE4A33B-DF50-0B40-87C8-ADAD58DAD4DE}"/>
+    <pc:docChg chg="modSld">
+      <pc:chgData name="김은택" userId="684cf5cc-8b3d-461b-8bf7-ad6019fe0313" providerId="ADAL" clId="{DAE4A33B-DF50-0B40-87C8-ADAD58DAD4DE}" dt="2021-07-05T17:06:35.213" v="4"/>
+      <pc:docMkLst>
+        <pc:docMk/>
+      </pc:docMkLst>
+      <pc:sldChg chg="addSp modSp mod">
+        <pc:chgData name="김은택" userId="684cf5cc-8b3d-461b-8bf7-ad6019fe0313" providerId="ADAL" clId="{DAE4A33B-DF50-0B40-87C8-ADAD58DAD4DE}" dt="2021-07-05T17:06:06.392" v="1" actId="1036"/>
+        <pc:sldMkLst>
+          <pc:docMk/>
+          <pc:sldMk cId="1155142267" sldId="270"/>
+        </pc:sldMkLst>
+        <pc:picChg chg="add mod">
+          <ac:chgData name="김은택" userId="684cf5cc-8b3d-461b-8bf7-ad6019fe0313" providerId="ADAL" clId="{DAE4A33B-DF50-0B40-87C8-ADAD58DAD4DE}" dt="2021-07-05T17:06:06.392" v="1" actId="1036"/>
+          <ac:picMkLst>
+            <pc:docMk/>
+            <pc:sldMk cId="1155142267" sldId="270"/>
+            <ac:picMk id="6" creationId="{FDFC50B1-00C6-2946-AE0B-133AB2446E57}"/>
+          </ac:picMkLst>
+        </pc:picChg>
+      </pc:sldChg>
+      <pc:sldChg chg="addSp modSp">
+        <pc:chgData name="김은택" userId="684cf5cc-8b3d-461b-8bf7-ad6019fe0313" providerId="ADAL" clId="{DAE4A33B-DF50-0B40-87C8-ADAD58DAD4DE}" dt="2021-07-05T17:06:24.381" v="2"/>
+        <pc:sldMkLst>
+          <pc:docMk/>
+          <pc:sldMk cId="538156680" sldId="276"/>
+        </pc:sldMkLst>
+        <pc:picChg chg="add mod">
+          <ac:chgData name="김은택" userId="684cf5cc-8b3d-461b-8bf7-ad6019fe0313" providerId="ADAL" clId="{DAE4A33B-DF50-0B40-87C8-ADAD58DAD4DE}" dt="2021-07-05T17:06:24.381" v="2"/>
+          <ac:picMkLst>
+            <pc:docMk/>
+            <pc:sldMk cId="538156680" sldId="276"/>
+            <ac:picMk id="4" creationId="{DDE5F455-A959-1847-ACD5-AF5ADE48CF01}"/>
+          </ac:picMkLst>
+        </pc:picChg>
+      </pc:sldChg>
+      <pc:sldChg chg="addSp modSp">
+        <pc:chgData name="김은택" userId="684cf5cc-8b3d-461b-8bf7-ad6019fe0313" providerId="ADAL" clId="{DAE4A33B-DF50-0B40-87C8-ADAD58DAD4DE}" dt="2021-07-05T17:06:29.046" v="3"/>
+        <pc:sldMkLst>
+          <pc:docMk/>
+          <pc:sldMk cId="2820824259" sldId="280"/>
+        </pc:sldMkLst>
+        <pc:picChg chg="add mod">
+          <ac:chgData name="김은택" userId="684cf5cc-8b3d-461b-8bf7-ad6019fe0313" providerId="ADAL" clId="{DAE4A33B-DF50-0B40-87C8-ADAD58DAD4DE}" dt="2021-07-05T17:06:29.046" v="3"/>
+          <ac:picMkLst>
+            <pc:docMk/>
+            <pc:sldMk cId="2820824259" sldId="280"/>
+            <ac:picMk id="4" creationId="{57BC61D2-D579-9847-B3C1-79A70F0AD4E0}"/>
+          </ac:picMkLst>
+        </pc:picChg>
+      </pc:sldChg>
+      <pc:sldChg chg="addSp modSp">
+        <pc:chgData name="김은택" userId="684cf5cc-8b3d-461b-8bf7-ad6019fe0313" providerId="ADAL" clId="{DAE4A33B-DF50-0B40-87C8-ADAD58DAD4DE}" dt="2021-07-05T17:06:35.213" v="4"/>
+        <pc:sldMkLst>
+          <pc:docMk/>
+          <pc:sldMk cId="1003128278" sldId="293"/>
+        </pc:sldMkLst>
+        <pc:picChg chg="add mod">
+          <ac:chgData name="김은택" userId="684cf5cc-8b3d-461b-8bf7-ad6019fe0313" providerId="ADAL" clId="{DAE4A33B-DF50-0B40-87C8-ADAD58DAD4DE}" dt="2021-07-05T17:06:35.213" v="4"/>
+          <ac:picMkLst>
+            <pc:docMk/>
+            <pc:sldMk cId="1003128278" sldId="293"/>
+            <ac:picMk id="4" creationId="{AFDB8C2D-E528-F04C-A093-DF86DB822DEE}"/>
+          </ac:picMkLst>
+        </pc:picChg>
+      </pc:sldChg>
+    </pc:docChg>
+  </pc:docChgLst>
+</pc:chgInfo>
+</file>
+
 <file path=ppt/notesMasters/notesMaster1.xml><?xml version="1.0" encoding="utf-8"?>
 <p:notesMaster xmlns:a="http://schemas.openxmlformats.org/drawingml/2006/main" xmlns:r="http://schemas.openxmlformats.org/officeDocument/2006/relationships" xmlns:p="http://schemas.openxmlformats.org/presentationml/2006/main">
   <p:cSld>
@@ -243,7 +831,7 @@
           <a:p>
             <a:fld id="{D84F8AA8-9ADA-A449-944B-75F195D12B3B}" type="datetimeFigureOut">
               <a:rPr kumimoji="1" lang="ko-KR" altLang="en-US" smtClean="0"/>
-              <a:t>2019. 10. 17.</a:t>
+              <a:t>2021. 7. 6.</a:t>
             </a:fld>
             <a:endParaRPr kumimoji="1" lang="ko-KR" altLang="en-US"/>
           </a:p>
@@ -987,7 +1575,7 @@
           <a:p>
             <a:fld id="{84825EB6-B46B-9844-8C42-AAFA0D41452B}" type="slidenum">
               <a:rPr kumimoji="1" lang="ko-KR" altLang="en-US" smtClean="0"/>
-              <a:t>28</a:t>
+              <a:t>27</a:t>
             </a:fld>
             <a:endParaRPr kumimoji="1" lang="ko-KR" altLang="en-US"/>
           </a:p>
@@ -997,93 +1585,6 @@
     <p:extLst>
       <p:ext uri="{BB962C8B-B14F-4D97-AF65-F5344CB8AC3E}">
         <p14:creationId xmlns:p14="http://schemas.microsoft.com/office/powerpoint/2010/main" val="2423731343"/>
-      </p:ext>
-    </p:extLst>
-  </p:cSld>
-  <p:clrMapOvr>
-    <a:masterClrMapping/>
-  </p:clrMapOvr>
-</p:notes>
-</file>
-
-<file path=ppt/notesSlides/notesSlide15.xml><?xml version="1.0" encoding="utf-8"?>
-<p:notes xmlns:a="http://schemas.openxmlformats.org/drawingml/2006/main" xmlns:r="http://schemas.openxmlformats.org/officeDocument/2006/relationships" xmlns:p="http://schemas.openxmlformats.org/presentationml/2006/main">
-  <p:cSld>
-    <p:spTree>
-      <p:nvGrpSpPr>
-        <p:cNvPr id="1" name=""/>
-        <p:cNvGrpSpPr/>
-        <p:nvPr/>
-      </p:nvGrpSpPr>
-      <p:grpSpPr>
-        <a:xfrm>
-          <a:off x="0" y="0"/>
-          <a:ext cx="0" cy="0"/>
-          <a:chOff x="0" y="0"/>
-          <a:chExt cx="0" cy="0"/>
-        </a:xfrm>
-      </p:grpSpPr>
-      <p:sp>
-        <p:nvSpPr>
-          <p:cNvPr id="2" name="Slide Image Placeholder 1"/>
-          <p:cNvSpPr>
-            <a:spLocks noGrp="1" noRot="1" noChangeAspect="1"/>
-          </p:cNvSpPr>
-          <p:nvPr>
-            <p:ph type="sldImg"/>
-          </p:nvPr>
-        </p:nvSpPr>
-        <p:spPr/>
-      </p:sp>
-      <p:sp>
-        <p:nvSpPr>
-          <p:cNvPr id="3" name="Notes Placeholder 2"/>
-          <p:cNvSpPr>
-            <a:spLocks noGrp="1"/>
-          </p:cNvSpPr>
-          <p:nvPr>
-            <p:ph type="body" idx="1"/>
-          </p:nvPr>
-        </p:nvSpPr>
-        <p:spPr/>
-        <p:txBody>
-          <a:bodyPr/>
-          <a:lstStyle/>
-          <a:p>
-            <a:r>
-              <a:rPr lang="en-US" dirty="0"/>
-              <a:t>1:30</a:t>
-            </a:r>
-          </a:p>
-        </p:txBody>
-      </p:sp>
-      <p:sp>
-        <p:nvSpPr>
-          <p:cNvPr id="4" name="Slide Number Placeholder 3"/>
-          <p:cNvSpPr>
-            <a:spLocks noGrp="1"/>
-          </p:cNvSpPr>
-          <p:nvPr>
-            <p:ph type="sldNum" sz="quarter" idx="5"/>
-          </p:nvPr>
-        </p:nvSpPr>
-        <p:spPr/>
-        <p:txBody>
-          <a:bodyPr/>
-          <a:lstStyle/>
-          <a:p>
-            <a:fld id="{84825EB6-B46B-9844-8C42-AAFA0D41452B}" type="slidenum">
-              <a:rPr kumimoji="1" lang="ko-KR" altLang="en-US" smtClean="0"/>
-              <a:t>29</a:t>
-            </a:fld>
-            <a:endParaRPr kumimoji="1" lang="ko-KR" altLang="en-US"/>
-          </a:p>
-        </p:txBody>
-      </p:sp>
-    </p:spTree>
-    <p:extLst>
-      <p:ext uri="{BB962C8B-B14F-4D97-AF65-F5344CB8AC3E}">
-        <p14:creationId xmlns:p14="http://schemas.microsoft.com/office/powerpoint/2010/main" val="2862913943"/>
       </p:ext>
     </p:extLst>
   </p:cSld>
@@ -3576,7 +4077,7 @@
             <a:fld id="{5923F103-BC34-4FE4-A40E-EDDEECFDA5D0}" type="datetimeFigureOut">
               <a:rPr lang="en-US" smtClean="0"/>
               <a:pPr/>
-              <a:t>10/17/19</a:t>
+              <a:t>7/6/21</a:t>
             </a:fld>
             <a:endParaRPr lang="en-US" dirty="0"/>
           </a:p>
@@ -3833,7 +4334,7 @@
           <a:p>
             <a:fld id="{2BE451C3-0FF4-47C4-B829-773ADF60F88C}" type="datetimeFigureOut">
               <a:rPr lang="en-US" smtClean="0"/>
-              <a:t>10/17/19</a:t>
+              <a:t>7/6/21</a:t>
             </a:fld>
             <a:endParaRPr lang="en-US" dirty="0"/>
           </a:p>
@@ -4159,7 +4660,7 @@
           <a:p>
             <a:fld id="{2BE451C3-0FF4-47C4-B829-773ADF60F88C}" type="datetimeFigureOut">
               <a:rPr lang="en-US" smtClean="0"/>
-              <a:t>10/17/19</a:t>
+              <a:t>7/6/21</a:t>
             </a:fld>
             <a:endParaRPr lang="en-US" dirty="0"/>
           </a:p>
@@ -4507,7 +5008,7 @@
           <a:p>
             <a:fld id="{5C12C299-16B2-4475-990D-751901EACC14}" type="datetimeFigureOut">
               <a:rPr lang="en-US" smtClean="0"/>
-              <a:t>10/17/19</a:t>
+              <a:t>7/6/21</a:t>
             </a:fld>
             <a:endParaRPr lang="en-US" dirty="0"/>
           </a:p>
@@ -4832,7 +5333,7 @@
           <a:p>
             <a:fld id="{2BE451C3-0FF4-47C4-B829-773ADF60F88C}" type="datetimeFigureOut">
               <a:rPr lang="en-US" smtClean="0"/>
-              <a:t>10/17/19</a:t>
+              <a:t>7/6/21</a:t>
             </a:fld>
             <a:endParaRPr lang="en-US" dirty="0"/>
           </a:p>
@@ -5237,7 +5738,7 @@
           <a:p>
             <a:fld id="{2BE451C3-0FF4-47C4-B829-773ADF60F88C}" type="datetimeFigureOut">
               <a:rPr lang="en-US" smtClean="0"/>
-              <a:t>10/17/19</a:t>
+              <a:t>7/6/21</a:t>
             </a:fld>
             <a:endParaRPr lang="en-US" dirty="0"/>
           </a:p>
@@ -5385,7 +5886,7 @@
           <a:p>
             <a:fld id="{53086D93-FCAC-47E0-A2EE-787E62CA814C}" type="datetimeFigureOut">
               <a:rPr lang="en-US" smtClean="0"/>
-              <a:t>10/17/19</a:t>
+              <a:t>7/6/21</a:t>
             </a:fld>
             <a:endParaRPr lang="en-US" dirty="0"/>
           </a:p>
@@ -5542,7 +6043,7 @@
           <a:p>
             <a:fld id="{CDA879A6-0FD0-4734-A311-86BFCA472E6E}" type="datetimeFigureOut">
               <a:rPr lang="en-US" smtClean="0"/>
-              <a:t>10/17/19</a:t>
+              <a:t>7/6/21</a:t>
             </a:fld>
             <a:endParaRPr lang="en-US" dirty="0"/>
           </a:p>
@@ -5695,7 +6196,7 @@
           <a:p>
             <a:fld id="{19C9CA7B-DFD4-44B5-8C60-D14B8CD1FB59}" type="datetimeFigureOut">
               <a:rPr lang="en-US" smtClean="0"/>
-              <a:t>10/17/19</a:t>
+              <a:t>7/6/21</a:t>
             </a:fld>
             <a:endParaRPr lang="en-US" dirty="0"/>
           </a:p>
@@ -5948,7 +6449,7 @@
           <a:p>
             <a:fld id="{F34E6425-0181-43F2-84FC-787E803FD2F8}" type="datetimeFigureOut">
               <a:rPr lang="en-US" smtClean="0"/>
-              <a:t>10/17/19</a:t>
+              <a:t>7/6/21</a:t>
             </a:fld>
             <a:endParaRPr lang="en-US" dirty="0"/>
           </a:p>
@@ -6133,7 +6634,7 @@
           <a:p>
             <a:fld id="{3BDB8791-F1B0-41E7-B7FD-A781E65C4266}" type="datetimeFigureOut">
               <a:rPr lang="en-US" smtClean="0"/>
-              <a:t>10/17/19</a:t>
+              <a:t>7/6/21</a:t>
             </a:fld>
             <a:endParaRPr lang="en-US" dirty="0"/>
           </a:p>
@@ -6470,7 +6971,7 @@
           <a:p>
             <a:fld id="{5FDD63B2-E120-4ED8-B27B-C685F510A5FE}" type="datetimeFigureOut">
               <a:rPr lang="en-US" smtClean="0"/>
-              <a:t>10/17/19</a:t>
+              <a:t>7/6/21</a:t>
             </a:fld>
             <a:endParaRPr lang="en-US" dirty="0"/>
           </a:p>
@@ -6594,7 +7095,7 @@
           <a:p>
             <a:fld id="{7AA18ACC-A947-437B-A130-35BD54FDF1E9}" type="datetimeFigureOut">
               <a:rPr lang="en-US" smtClean="0"/>
-              <a:t>10/17/19</a:t>
+              <a:t>7/6/21</a:t>
             </a:fld>
             <a:endParaRPr lang="en-US" dirty="0"/>
           </a:p>
@@ -6690,7 +7191,7 @@
           <a:p>
             <a:fld id="{7C8D7E02-BCB8-4D50-A234-369438C08659}" type="datetimeFigureOut">
               <a:rPr lang="en-US" smtClean="0"/>
-              <a:t>10/17/19</a:t>
+              <a:t>7/6/21</a:t>
             </a:fld>
             <a:endParaRPr lang="en-US" dirty="0"/>
           </a:p>
@@ -6927,7 +7428,7 @@
           <a:p>
             <a:fld id="{76E86A4C-8E40-4F87-A4F0-01A0687C5742}" type="datetimeFigureOut">
               <a:rPr lang="en-US" smtClean="0"/>
-              <a:t>10/17/19</a:t>
+              <a:t>7/6/21</a:t>
             </a:fld>
             <a:endParaRPr lang="en-US" dirty="0"/>
           </a:p>
@@ -7196,7 +7697,7 @@
           <a:p>
             <a:fld id="{35E72C73-2D91-4E12-BA25-F0AA0C03599B}" type="datetimeFigureOut">
               <a:rPr lang="en-US" smtClean="0"/>
-              <a:t>10/17/19</a:t>
+              <a:t>7/6/21</a:t>
             </a:fld>
             <a:endParaRPr lang="en-US" dirty="0"/>
           </a:p>
@@ -7916,7 +8417,7 @@
           <a:p>
             <a:fld id="{2BE451C3-0FF4-47C4-B829-773ADF60F88C}" type="datetimeFigureOut">
               <a:rPr lang="en-US" smtClean="0"/>
-              <a:t>10/17/19</a:t>
+              <a:t>7/6/21</a:t>
             </a:fld>
             <a:endParaRPr lang="en-US" dirty="0"/>
           </a:p>
@@ -8496,26 +8997,21 @@
           <a:p>
             <a:r>
               <a:rPr kumimoji="1" lang="en-US" altLang="ko-KR" dirty="0"/>
-              <a:t>Basic Concept, </a:t>
-            </a:r>
-            <a:r>
-              <a:rPr kumimoji="1" lang="en-US" altLang="ko-KR" dirty="0" err="1"/>
-              <a:t>RxJava</a:t>
-            </a:r>
-            <a:endParaRPr kumimoji="1" lang="en-US" altLang="ko-KR" dirty="0"/>
+              <a:t>Basic Concept, Reactor</a:t>
+            </a:r>
           </a:p>
           <a:p>
             <a:r>
               <a:rPr kumimoji="1" lang="ko-KR" altLang="en-US" sz="1100" dirty="0" err="1"/>
-              <a:t>여행개발백앤드파트</a:t>
+              <a:t>백엔드개발</a:t>
+            </a:r>
+            <a:r>
+              <a:rPr kumimoji="1" lang="en-US" altLang="ko-KR" sz="1100" dirty="0"/>
+              <a:t>1</a:t>
             </a:r>
             <a:r>
               <a:rPr kumimoji="1" lang="ko-KR" altLang="en-US" sz="1100" dirty="0"/>
-              <a:t> </a:t>
-            </a:r>
-            <a:r>
-              <a:rPr kumimoji="1" lang="ko-KR" altLang="en-US" sz="1100" dirty="0" err="1"/>
-              <a:t>김은택</a:t>
+              <a:t>팀 김은택</a:t>
             </a:r>
             <a:endParaRPr kumimoji="1" lang="en-US" altLang="ko-KR" sz="1100" dirty="0"/>
           </a:p>
@@ -8765,6 +9261,42 @@
           </a:p>
         </p:txBody>
       </p:sp>
+      <p:pic>
+        <p:nvPicPr>
+          <p:cNvPr id="6" name="그래픽 5" descr="QR 코드 단색으로 채워진">
+            <a:extLst>
+              <a:ext uri="{FF2B5EF4-FFF2-40B4-BE49-F238E27FC236}">
+                <a16:creationId xmlns:a16="http://schemas.microsoft.com/office/drawing/2014/main" id="{FDFC50B1-00C6-2946-AE0B-133AB2446E57}"/>
+              </a:ext>
+            </a:extLst>
+          </p:cNvPr>
+          <p:cNvPicPr>
+            <a:picLocks noChangeAspect="1"/>
+          </p:cNvPicPr>
+          <p:nvPr/>
+        </p:nvPicPr>
+        <p:blipFill>
+          <a:blip r:embed="rId5">
+            <a:extLst>
+              <a:ext uri="{96DAC541-7B7A-43D3-8B79-37D633B846F1}">
+                <asvg:svgBlip xmlns:asvg="http://schemas.microsoft.com/office/drawing/2016/SVG/main" r:embed="rId6"/>
+              </a:ext>
+            </a:extLst>
+          </a:blip>
+          <a:stretch>
+            <a:fillRect/>
+          </a:stretch>
+        </p:blipFill>
+        <p:spPr>
+          <a:xfrm>
+            <a:off x="42104" y="70185"/>
+            <a:ext cx="635230" cy="635230"/>
+          </a:xfrm>
+          <a:prstGeom prst="rect">
+            <a:avLst/>
+          </a:prstGeom>
+        </p:spPr>
+      </p:pic>
     </p:spTree>
     <p:extLst>
       <p:ext uri="{BB962C8B-B14F-4D97-AF65-F5344CB8AC3E}">
@@ -9661,11 +10193,7 @@
           <a:p>
             <a:r>
               <a:rPr kumimoji="1" lang="en-US" altLang="ko-KR" dirty="0"/>
-              <a:t>Observer Pattern and </a:t>
-            </a:r>
-            <a:r>
-              <a:rPr kumimoji="1" lang="en-US" altLang="ko-KR" dirty="0" err="1"/>
-              <a:t>RxJava</a:t>
+              <a:t>Observer Pattern and Reactor</a:t>
             </a:r>
             <a:endParaRPr kumimoji="1" lang="ko-KR" altLang="en-US" dirty="0"/>
           </a:p>
@@ -9915,6 +10443,42 @@
               </a14:hiddenFill>
             </a:ext>
           </a:extLst>
+        </p:spPr>
+      </p:pic>
+      <p:pic>
+        <p:nvPicPr>
+          <p:cNvPr id="4" name="그래픽 3" descr="QR 코드 단색으로 채워진">
+            <a:extLst>
+              <a:ext uri="{FF2B5EF4-FFF2-40B4-BE49-F238E27FC236}">
+                <a16:creationId xmlns:a16="http://schemas.microsoft.com/office/drawing/2014/main" id="{DDE5F455-A959-1847-ACD5-AF5ADE48CF01}"/>
+              </a:ext>
+            </a:extLst>
+          </p:cNvPr>
+          <p:cNvPicPr>
+            <a:picLocks noChangeAspect="1"/>
+          </p:cNvPicPr>
+          <p:nvPr/>
+        </p:nvPicPr>
+        <p:blipFill>
+          <a:blip r:embed="rId4">
+            <a:extLst>
+              <a:ext uri="{96DAC541-7B7A-43D3-8B79-37D633B846F1}">
+                <asvg:svgBlip xmlns:asvg="http://schemas.microsoft.com/office/drawing/2016/SVG/main" r:embed="rId5"/>
+              </a:ext>
+            </a:extLst>
+          </a:blip>
+          <a:stretch>
+            <a:fillRect/>
+          </a:stretch>
+        </p:blipFill>
+        <p:spPr>
+          <a:xfrm>
+            <a:off x="42104" y="61796"/>
+            <a:ext cx="635230" cy="635230"/>
+          </a:xfrm>
+          <a:prstGeom prst="rect">
+            <a:avLst/>
+          </a:prstGeom>
         </p:spPr>
       </p:pic>
     </p:spTree>
@@ -10936,6 +11500,42 @@
           </a:p>
         </p:txBody>
       </p:sp>
+      <p:pic>
+        <p:nvPicPr>
+          <p:cNvPr id="4" name="그래픽 3" descr="QR 코드 단색으로 채워진">
+            <a:extLst>
+              <a:ext uri="{FF2B5EF4-FFF2-40B4-BE49-F238E27FC236}">
+                <a16:creationId xmlns:a16="http://schemas.microsoft.com/office/drawing/2014/main" id="{57BC61D2-D579-9847-B3C1-79A70F0AD4E0}"/>
+              </a:ext>
+            </a:extLst>
+          </p:cNvPr>
+          <p:cNvPicPr>
+            <a:picLocks noChangeAspect="1"/>
+          </p:cNvPicPr>
+          <p:nvPr/>
+        </p:nvPicPr>
+        <p:blipFill>
+          <a:blip r:embed="rId2">
+            <a:extLst>
+              <a:ext uri="{96DAC541-7B7A-43D3-8B79-37D633B846F1}">
+                <asvg:svgBlip xmlns:asvg="http://schemas.microsoft.com/office/drawing/2016/SVG/main" r:embed="rId3"/>
+              </a:ext>
+            </a:extLst>
+          </a:blip>
+          <a:stretch>
+            <a:fillRect/>
+          </a:stretch>
+        </p:blipFill>
+        <p:spPr>
+          <a:xfrm>
+            <a:off x="42104" y="61796"/>
+            <a:ext cx="635230" cy="635230"/>
+          </a:xfrm>
+          <a:prstGeom prst="rect">
+            <a:avLst/>
+          </a:prstGeom>
+        </p:spPr>
+      </p:pic>
     </p:spTree>
     <p:extLst>
       <p:ext uri="{BB962C8B-B14F-4D97-AF65-F5344CB8AC3E}">
@@ -11723,7 +12323,7 @@
           <p:cNvPr id="2" name="Title 1">
             <a:extLst>
               <a:ext uri="{FF2B5EF4-FFF2-40B4-BE49-F238E27FC236}">
-                <a16:creationId xmlns:a16="http://schemas.microsoft.com/office/drawing/2014/main" id="{C810101B-2C79-E048-8FB1-6CB88F4E2A65}"/>
+                <a16:creationId xmlns:a16="http://schemas.microsoft.com/office/drawing/2014/main" id="{0D6D7969-5C8A-CB46-95EA-8A9D641E404B}"/>
               </a:ext>
             </a:extLst>
           </p:cNvPr>
@@ -11740,156 +12340,380 @@
           <a:lstStyle/>
           <a:p>
             <a:r>
-              <a:rPr kumimoji="1" lang="en-US" altLang="ko-KR" dirty="0"/>
+              <a:rPr lang="en-US" dirty="0"/>
               <a:t>Reactive Stream</a:t>
             </a:r>
-            <a:endParaRPr lang="en-US" dirty="0"/>
-          </a:p>
-        </p:txBody>
-      </p:sp>
-      <p:sp>
-        <p:nvSpPr>
-          <p:cNvPr id="7" name="Content Placeholder 6">
+          </a:p>
+        </p:txBody>
+      </p:sp>
+      <p:grpSp>
+        <p:nvGrpSpPr>
+          <p:cNvPr id="14" name="그룹 13">
             <a:extLst>
               <a:ext uri="{FF2B5EF4-FFF2-40B4-BE49-F238E27FC236}">
-                <a16:creationId xmlns:a16="http://schemas.microsoft.com/office/drawing/2014/main" id="{8E397B63-4D00-8447-A636-B08224CCD508}"/>
+                <a16:creationId xmlns:a16="http://schemas.microsoft.com/office/drawing/2014/main" id="{20672A39-8E22-7843-9E68-A1C4C3E4A880}"/>
               </a:ext>
             </a:extLst>
           </p:cNvPr>
-          <p:cNvSpPr>
-            <a:spLocks noGrp="1"/>
-          </p:cNvSpPr>
-          <p:nvPr>
-            <p:ph idx="1"/>
-          </p:nvPr>
-        </p:nvSpPr>
-        <p:spPr>
+          <p:cNvGrpSpPr/>
+          <p:nvPr/>
+        </p:nvGrpSpPr>
+        <p:grpSpPr>
           <a:xfrm>
-            <a:off x="677334" y="1695367"/>
-            <a:ext cx="8596668" cy="3880773"/>
+            <a:off x="812916" y="2371330"/>
+            <a:ext cx="8706465" cy="1787013"/>
+            <a:chOff x="845574" y="1641987"/>
+            <a:chExt cx="8706465" cy="1787013"/>
           </a:xfrm>
-        </p:spPr>
-        <p:txBody>
-          <a:bodyPr/>
-          <a:lstStyle/>
-          <a:p>
-            <a:r>
-              <a:rPr lang="en-US" dirty="0"/>
-              <a:t>Observer + Iterator = Reactive Stream</a:t>
-            </a:r>
-          </a:p>
-        </p:txBody>
-      </p:sp>
-      <p:pic>
-        <p:nvPicPr>
-          <p:cNvPr id="15" name="Picture 14">
-            <a:extLst>
-              <a:ext uri="{FF2B5EF4-FFF2-40B4-BE49-F238E27FC236}">
-                <a16:creationId xmlns:a16="http://schemas.microsoft.com/office/drawing/2014/main" id="{16C78DDB-381A-7E40-9215-F02A5E47DCC7}"/>
-              </a:ext>
-            </a:extLst>
-          </p:cNvPr>
-          <p:cNvPicPr>
-            <a:picLocks noChangeAspect="1"/>
-          </p:cNvPicPr>
-          <p:nvPr/>
-        </p:nvPicPr>
-        <p:blipFill>
-          <a:blip r:embed="rId2"/>
-          <a:stretch>
-            <a:fillRect/>
-          </a:stretch>
-        </p:blipFill>
-        <p:spPr>
-          <a:xfrm>
-            <a:off x="1007554" y="2267370"/>
-            <a:ext cx="3022600" cy="990600"/>
-          </a:xfrm>
-          <a:prstGeom prst="rect">
-            <a:avLst/>
-          </a:prstGeom>
-        </p:spPr>
-      </p:pic>
-      <p:pic>
-        <p:nvPicPr>
-          <p:cNvPr id="17" name="Picture 16">
-            <a:extLst>
-              <a:ext uri="{FF2B5EF4-FFF2-40B4-BE49-F238E27FC236}">
-                <a16:creationId xmlns:a16="http://schemas.microsoft.com/office/drawing/2014/main" id="{DFBF3210-E256-FC46-A7CC-E286B6B035F0}"/>
-              </a:ext>
-            </a:extLst>
-          </p:cNvPr>
-          <p:cNvPicPr>
-            <a:picLocks noChangeAspect="1"/>
-          </p:cNvPicPr>
-          <p:nvPr/>
-        </p:nvPicPr>
-        <p:blipFill>
-          <a:blip r:embed="rId3"/>
-          <a:stretch>
-            <a:fillRect/>
-          </a:stretch>
-        </p:blipFill>
-        <p:spPr>
-          <a:xfrm>
-            <a:off x="990843" y="3931909"/>
-            <a:ext cx="3505200" cy="1155700"/>
-          </a:xfrm>
-          <a:prstGeom prst="rect">
-            <a:avLst/>
-          </a:prstGeom>
-        </p:spPr>
-      </p:pic>
-      <p:sp>
-        <p:nvSpPr>
-          <p:cNvPr id="4" name="Down Arrow 3">
-            <a:extLst>
-              <a:ext uri="{FF2B5EF4-FFF2-40B4-BE49-F238E27FC236}">
-                <a16:creationId xmlns:a16="http://schemas.microsoft.com/office/drawing/2014/main" id="{ABBA040F-7998-5B47-A66F-73D4BA2ABCC2}"/>
-              </a:ext>
-            </a:extLst>
-          </p:cNvPr>
-          <p:cNvSpPr/>
-          <p:nvPr/>
-        </p:nvSpPr>
-        <p:spPr>
-          <a:xfrm>
-            <a:off x="2294264" y="3375800"/>
-            <a:ext cx="449179" cy="438279"/>
-          </a:xfrm>
-          <a:prstGeom prst="downArrow">
-            <a:avLst/>
-          </a:prstGeom>
-        </p:spPr>
-        <p:style>
-          <a:lnRef idx="2">
-            <a:schemeClr val="accent1">
-              <a:shade val="50000"/>
-            </a:schemeClr>
-          </a:lnRef>
-          <a:fillRef idx="1">
-            <a:schemeClr val="accent1"/>
-          </a:fillRef>
-          <a:effectRef idx="0">
-            <a:schemeClr val="accent1"/>
-          </a:effectRef>
-          <a:fontRef idx="minor">
-            <a:schemeClr val="lt1"/>
-          </a:fontRef>
-        </p:style>
-        <p:txBody>
-          <a:bodyPr rtlCol="0" anchor="ctr"/>
-          <a:lstStyle/>
-          <a:p>
-            <a:pPr algn="ctr"/>
-            <a:endParaRPr lang="en-US"/>
-          </a:p>
-        </p:txBody>
-      </p:sp>
+        </p:grpSpPr>
+        <p:sp>
+          <p:nvSpPr>
+            <p:cNvPr id="4" name="직사각형 3">
+              <a:extLst>
+                <a:ext uri="{FF2B5EF4-FFF2-40B4-BE49-F238E27FC236}">
+                  <a16:creationId xmlns:a16="http://schemas.microsoft.com/office/drawing/2014/main" id="{8F76E4BC-3A24-0745-A4CE-BDA17EB75030}"/>
+                </a:ext>
+              </a:extLst>
+            </p:cNvPr>
+            <p:cNvSpPr/>
+            <p:nvPr/>
+          </p:nvSpPr>
+          <p:spPr>
+            <a:xfrm>
+              <a:off x="845574" y="1641987"/>
+              <a:ext cx="2526891" cy="1787013"/>
+            </a:xfrm>
+            <a:prstGeom prst="rect">
+              <a:avLst/>
+            </a:prstGeom>
+          </p:spPr>
+          <p:style>
+            <a:lnRef idx="2">
+              <a:schemeClr val="accent1">
+                <a:shade val="50000"/>
+              </a:schemeClr>
+            </a:lnRef>
+            <a:fillRef idx="1">
+              <a:schemeClr val="accent1"/>
+            </a:fillRef>
+            <a:effectRef idx="0">
+              <a:schemeClr val="accent1"/>
+            </a:effectRef>
+            <a:fontRef idx="minor">
+              <a:schemeClr val="lt1"/>
+            </a:fontRef>
+          </p:style>
+          <p:txBody>
+            <a:bodyPr rtlCol="0" anchor="ctr"/>
+            <a:lstStyle/>
+            <a:p>
+              <a:pPr algn="ctr"/>
+              <a:r>
+                <a:rPr kumimoji="1" lang="en-US" altLang="ko-Kore-KR" dirty="0"/>
+                <a:t>Publisher</a:t>
+              </a:r>
+              <a:endParaRPr kumimoji="1" lang="ko-Kore-KR" altLang="en-US" dirty="0"/>
+            </a:p>
+          </p:txBody>
+        </p:sp>
+        <p:sp>
+          <p:nvSpPr>
+            <p:cNvPr id="6" name="직사각형 5">
+              <a:extLst>
+                <a:ext uri="{FF2B5EF4-FFF2-40B4-BE49-F238E27FC236}">
+                  <a16:creationId xmlns:a16="http://schemas.microsoft.com/office/drawing/2014/main" id="{AD98E9C1-613B-C146-AF01-270DFB242333}"/>
+                </a:ext>
+              </a:extLst>
+            </p:cNvPr>
+            <p:cNvSpPr/>
+            <p:nvPr/>
+          </p:nvSpPr>
+          <p:spPr>
+            <a:xfrm>
+              <a:off x="7025148" y="1641987"/>
+              <a:ext cx="2526891" cy="1787013"/>
+            </a:xfrm>
+            <a:prstGeom prst="rect">
+              <a:avLst/>
+            </a:prstGeom>
+          </p:spPr>
+          <p:style>
+            <a:lnRef idx="2">
+              <a:schemeClr val="accent1">
+                <a:shade val="50000"/>
+              </a:schemeClr>
+            </a:lnRef>
+            <a:fillRef idx="1">
+              <a:schemeClr val="accent1"/>
+            </a:fillRef>
+            <a:effectRef idx="0">
+              <a:schemeClr val="accent1"/>
+            </a:effectRef>
+            <a:fontRef idx="minor">
+              <a:schemeClr val="lt1"/>
+            </a:fontRef>
+          </p:style>
+          <p:txBody>
+            <a:bodyPr rtlCol="0" anchor="ctr"/>
+            <a:lstStyle/>
+            <a:p>
+              <a:pPr algn="ctr"/>
+              <a:r>
+                <a:rPr kumimoji="1" lang="en-US" altLang="ko-Kore-KR" dirty="0"/>
+                <a:t>Subscriber</a:t>
+              </a:r>
+              <a:endParaRPr kumimoji="1" lang="ko-Kore-KR" altLang="en-US" dirty="0"/>
+            </a:p>
+          </p:txBody>
+        </p:sp>
+        <p:cxnSp>
+          <p:nvCxnSpPr>
+            <p:cNvPr id="7" name="직선 화살표 연결선 6">
+              <a:extLst>
+                <a:ext uri="{FF2B5EF4-FFF2-40B4-BE49-F238E27FC236}">
+                  <a16:creationId xmlns:a16="http://schemas.microsoft.com/office/drawing/2014/main" id="{7D6F0294-3685-F344-92DB-F184E4CDE90C}"/>
+                </a:ext>
+              </a:extLst>
+            </p:cNvPr>
+            <p:cNvCxnSpPr/>
+            <p:nvPr/>
+          </p:nvCxnSpPr>
+          <p:spPr>
+            <a:xfrm>
+              <a:off x="3372465" y="2104103"/>
+              <a:ext cx="3652683" cy="0"/>
+            </a:xfrm>
+            <a:prstGeom prst="straightConnector1">
+              <a:avLst/>
+            </a:prstGeom>
+            <a:ln w="38100">
+              <a:prstDash val="dash"/>
+              <a:tailEnd type="triangle" w="lg" len="med"/>
+            </a:ln>
+          </p:spPr>
+          <p:style>
+            <a:lnRef idx="1">
+              <a:schemeClr val="accent1"/>
+            </a:lnRef>
+            <a:fillRef idx="0">
+              <a:schemeClr val="accent1"/>
+            </a:fillRef>
+            <a:effectRef idx="0">
+              <a:schemeClr val="accent1"/>
+            </a:effectRef>
+            <a:fontRef idx="minor">
+              <a:schemeClr val="tx1"/>
+            </a:fontRef>
+          </p:style>
+        </p:cxnSp>
+        <p:cxnSp>
+          <p:nvCxnSpPr>
+            <p:cNvPr id="10" name="직선 화살표 연결선 9">
+              <a:extLst>
+                <a:ext uri="{FF2B5EF4-FFF2-40B4-BE49-F238E27FC236}">
+                  <a16:creationId xmlns:a16="http://schemas.microsoft.com/office/drawing/2014/main" id="{FB5092FF-4BF6-B748-B90F-B99BF6D85790}"/>
+                </a:ext>
+              </a:extLst>
+            </p:cNvPr>
+            <p:cNvCxnSpPr/>
+            <p:nvPr/>
+          </p:nvCxnSpPr>
+          <p:spPr>
+            <a:xfrm>
+              <a:off x="3372464" y="2670159"/>
+              <a:ext cx="3652683" cy="0"/>
+            </a:xfrm>
+            <a:prstGeom prst="straightConnector1">
+              <a:avLst/>
+            </a:prstGeom>
+            <a:ln w="38100">
+              <a:prstDash val="dash"/>
+              <a:tailEnd type="triangle" w="lg" len="med"/>
+            </a:ln>
+          </p:spPr>
+          <p:style>
+            <a:lnRef idx="1">
+              <a:schemeClr val="accent1"/>
+            </a:lnRef>
+            <a:fillRef idx="0">
+              <a:schemeClr val="accent1"/>
+            </a:fillRef>
+            <a:effectRef idx="0">
+              <a:schemeClr val="accent1"/>
+            </a:effectRef>
+            <a:fontRef idx="minor">
+              <a:schemeClr val="tx1"/>
+            </a:fontRef>
+          </p:style>
+        </p:cxnSp>
+        <p:cxnSp>
+          <p:nvCxnSpPr>
+            <p:cNvPr id="11" name="직선 화살표 연결선 10">
+              <a:extLst>
+                <a:ext uri="{FF2B5EF4-FFF2-40B4-BE49-F238E27FC236}">
+                  <a16:creationId xmlns:a16="http://schemas.microsoft.com/office/drawing/2014/main" id="{37D5F780-A10A-5E42-929A-BC803248684A}"/>
+                </a:ext>
+              </a:extLst>
+            </p:cNvPr>
+            <p:cNvCxnSpPr/>
+            <p:nvPr/>
+          </p:nvCxnSpPr>
+          <p:spPr>
+            <a:xfrm>
+              <a:off x="3372465" y="3225331"/>
+              <a:ext cx="3652683" cy="0"/>
+            </a:xfrm>
+            <a:prstGeom prst="straightConnector1">
+              <a:avLst/>
+            </a:prstGeom>
+            <a:ln w="38100">
+              <a:prstDash val="dash"/>
+              <a:tailEnd type="triangle" w="lg" len="med"/>
+            </a:ln>
+          </p:spPr>
+          <p:style>
+            <a:lnRef idx="1">
+              <a:schemeClr val="accent1"/>
+            </a:lnRef>
+            <a:fillRef idx="0">
+              <a:schemeClr val="accent1"/>
+            </a:fillRef>
+            <a:effectRef idx="0">
+              <a:schemeClr val="accent1"/>
+            </a:effectRef>
+            <a:fontRef idx="minor">
+              <a:schemeClr val="tx1"/>
+            </a:fontRef>
+          </p:style>
+        </p:cxnSp>
+        <p:sp>
+          <p:nvSpPr>
+            <p:cNvPr id="8" name="TextBox 7">
+              <a:extLst>
+                <a:ext uri="{FF2B5EF4-FFF2-40B4-BE49-F238E27FC236}">
+                  <a16:creationId xmlns:a16="http://schemas.microsoft.com/office/drawing/2014/main" id="{B21A030F-8EC7-ED48-B151-61A8C36C41CC}"/>
+                </a:ext>
+              </a:extLst>
+            </p:cNvPr>
+            <p:cNvSpPr txBox="1"/>
+            <p:nvPr/>
+          </p:nvSpPr>
+          <p:spPr>
+            <a:xfrm>
+              <a:off x="4615544" y="1719942"/>
+              <a:ext cx="1220206" cy="369332"/>
+            </a:xfrm>
+            <a:prstGeom prst="rect">
+              <a:avLst/>
+            </a:prstGeom>
+            <a:noFill/>
+          </p:spPr>
+          <p:txBody>
+            <a:bodyPr wrap="none" rtlCol="0">
+              <a:spAutoFit/>
+            </a:bodyPr>
+            <a:lstStyle/>
+            <a:p>
+              <a:pPr algn="ctr"/>
+              <a:r>
+                <a:rPr kumimoji="1" lang="en-US" altLang="ko-Kore-KR" dirty="0" err="1"/>
+                <a:t>onNext</a:t>
+              </a:r>
+              <a:r>
+                <a:rPr kumimoji="1" lang="en-US" altLang="ko-Kore-KR" dirty="0"/>
+                <a:t>(T)</a:t>
+              </a:r>
+              <a:endParaRPr kumimoji="1" lang="ko-Kore-KR" altLang="en-US" dirty="0"/>
+            </a:p>
+          </p:txBody>
+        </p:sp>
+        <p:sp>
+          <p:nvSpPr>
+            <p:cNvPr id="12" name="TextBox 11">
+              <a:extLst>
+                <a:ext uri="{FF2B5EF4-FFF2-40B4-BE49-F238E27FC236}">
+                  <a16:creationId xmlns:a16="http://schemas.microsoft.com/office/drawing/2014/main" id="{FCF2534D-6E0F-4140-A84A-124E7654D63F}"/>
+                </a:ext>
+              </a:extLst>
+            </p:cNvPr>
+            <p:cNvSpPr txBox="1"/>
+            <p:nvPr/>
+          </p:nvSpPr>
+          <p:spPr>
+            <a:xfrm>
+              <a:off x="4426390" y="2284499"/>
+              <a:ext cx="1598515" cy="369332"/>
+            </a:xfrm>
+            <a:prstGeom prst="rect">
+              <a:avLst/>
+            </a:prstGeom>
+            <a:noFill/>
+          </p:spPr>
+          <p:txBody>
+            <a:bodyPr wrap="none" rtlCol="0">
+              <a:spAutoFit/>
+            </a:bodyPr>
+            <a:lstStyle/>
+            <a:p>
+              <a:pPr algn="ctr"/>
+              <a:r>
+                <a:rPr kumimoji="1" lang="en-US" altLang="ko-Kore-KR" dirty="0" err="1"/>
+                <a:t>onComplete</a:t>
+              </a:r>
+              <a:r>
+                <a:rPr kumimoji="1" lang="en-US" altLang="ko-Kore-KR" dirty="0"/>
+                <a:t>()</a:t>
+              </a:r>
+              <a:endParaRPr kumimoji="1" lang="ko-Kore-KR" altLang="en-US" dirty="0"/>
+            </a:p>
+          </p:txBody>
+        </p:sp>
+        <p:sp>
+          <p:nvSpPr>
+            <p:cNvPr id="13" name="TextBox 12">
+              <a:extLst>
+                <a:ext uri="{FF2B5EF4-FFF2-40B4-BE49-F238E27FC236}">
+                  <a16:creationId xmlns:a16="http://schemas.microsoft.com/office/drawing/2014/main" id="{9574A8F4-2C8E-CD42-9FB4-964A5F3DA666}"/>
+                </a:ext>
+              </a:extLst>
+            </p:cNvPr>
+            <p:cNvSpPr txBox="1"/>
+            <p:nvPr/>
+          </p:nvSpPr>
+          <p:spPr>
+            <a:xfrm>
+              <a:off x="4120217" y="2828472"/>
+              <a:ext cx="2210863" cy="369332"/>
+            </a:xfrm>
+            <a:prstGeom prst="rect">
+              <a:avLst/>
+            </a:prstGeom>
+            <a:noFill/>
+          </p:spPr>
+          <p:txBody>
+            <a:bodyPr wrap="none" rtlCol="0">
+              <a:spAutoFit/>
+            </a:bodyPr>
+            <a:lstStyle/>
+            <a:p>
+              <a:pPr algn="ctr"/>
+              <a:r>
+                <a:rPr kumimoji="1" lang="en-US" altLang="ko-Kore-KR" dirty="0" err="1"/>
+                <a:t>onError</a:t>
+              </a:r>
+              <a:r>
+                <a:rPr kumimoji="1" lang="en-US" altLang="ko-Kore-KR" dirty="0"/>
+                <a:t>(Throwable)</a:t>
+              </a:r>
+              <a:endParaRPr kumimoji="1" lang="ko-Kore-KR" altLang="en-US" dirty="0"/>
+            </a:p>
+          </p:txBody>
+        </p:sp>
+      </p:grpSp>
     </p:spTree>
     <p:extLst>
       <p:ext uri="{BB962C8B-B14F-4D97-AF65-F5344CB8AC3E}">
-        <p14:creationId xmlns:p14="http://schemas.microsoft.com/office/powerpoint/2010/main" val="3815974612"/>
+        <p14:creationId xmlns:p14="http://schemas.microsoft.com/office/powerpoint/2010/main" val="1853861360"/>
       </p:ext>
     </p:extLst>
   </p:cSld>
@@ -11921,7 +12745,7 @@
           <p:cNvPr id="2" name="Title 1">
             <a:extLst>
               <a:ext uri="{FF2B5EF4-FFF2-40B4-BE49-F238E27FC236}">
-                <a16:creationId xmlns:a16="http://schemas.microsoft.com/office/drawing/2014/main" id="{0D6D7969-5C8A-CB46-95EA-8A9D641E404B}"/>
+                <a16:creationId xmlns:a16="http://schemas.microsoft.com/office/drawing/2014/main" id="{08D65850-DBFB-FD4D-A8DF-7EBA57203B30}"/>
               </a:ext>
             </a:extLst>
           </p:cNvPr>
@@ -11938,47 +12762,146 @@
           <a:lstStyle/>
           <a:p>
             <a:r>
-              <a:rPr lang="en-US" dirty="0" err="1"/>
-              <a:t>RxJava</a:t>
-            </a:r>
-            <a:endParaRPr lang="en-US" dirty="0"/>
-          </a:p>
-        </p:txBody>
-      </p:sp>
-      <p:pic>
-        <p:nvPicPr>
-          <p:cNvPr id="9" name="Picture 8">
+              <a:rPr lang="en-US" dirty="0"/>
+              <a:t>Reactive Libraries</a:t>
+            </a:r>
+          </a:p>
+        </p:txBody>
+      </p:sp>
+      <p:sp>
+        <p:nvSpPr>
+          <p:cNvPr id="3" name="Content Placeholder 2">
             <a:extLst>
               <a:ext uri="{FF2B5EF4-FFF2-40B4-BE49-F238E27FC236}">
-                <a16:creationId xmlns:a16="http://schemas.microsoft.com/office/drawing/2014/main" id="{816F1E0A-EE7C-954C-80AC-8D7B876BC63A}"/>
+                <a16:creationId xmlns:a16="http://schemas.microsoft.com/office/drawing/2014/main" id="{3F3CF9EA-C140-7045-A2A9-D1525E270A09}"/>
               </a:ext>
             </a:extLst>
           </p:cNvPr>
-          <p:cNvPicPr>
-            <a:picLocks noChangeAspect="1"/>
-          </p:cNvPicPr>
-          <p:nvPr/>
-        </p:nvPicPr>
-        <p:blipFill>
-          <a:blip r:embed="rId3"/>
-          <a:stretch>
-            <a:fillRect/>
-          </a:stretch>
-        </p:blipFill>
-        <p:spPr>
-          <a:xfrm>
-            <a:off x="548997" y="2276475"/>
-            <a:ext cx="9207500" cy="2298700"/>
-          </a:xfrm>
-          <a:prstGeom prst="rect">
-            <a:avLst/>
-          </a:prstGeom>
-        </p:spPr>
-      </p:pic>
+          <p:cNvSpPr>
+            <a:spLocks noGrp="1"/>
+          </p:cNvSpPr>
+          <p:nvPr>
+            <p:ph idx="1"/>
+          </p:nvPr>
+        </p:nvSpPr>
+        <p:spPr/>
+        <p:txBody>
+          <a:bodyPr/>
+          <a:lstStyle/>
+          <a:p>
+            <a:r>
+              <a:rPr lang="en-US" altLang="ko-KR" dirty="0" err="1"/>
+              <a:t>RxJava</a:t>
+            </a:r>
+            <a:r>
+              <a:rPr lang="en-US" altLang="ko-KR" dirty="0"/>
+              <a:t>, </a:t>
+            </a:r>
+            <a:r>
+              <a:rPr lang="en-US" altLang="ko-KR" dirty="0" err="1"/>
+              <a:t>Akka</a:t>
+            </a:r>
+            <a:r>
+              <a:rPr lang="en-US" altLang="ko-KR" dirty="0"/>
+              <a:t>, Reactor</a:t>
+            </a:r>
+          </a:p>
+          <a:p>
+            <a:r>
+              <a:rPr lang="ko-KR" altLang="en-US" dirty="0"/>
+              <a:t>구현은 전부 다를지라도 개념은 같음</a:t>
+            </a:r>
+            <a:endParaRPr lang="en-US" altLang="ko-KR" dirty="0"/>
+          </a:p>
+          <a:p>
+            <a:pPr lvl="1"/>
+            <a:r>
+              <a:rPr lang="ko-KR" altLang="en-US" dirty="0"/>
+              <a:t>구독자가 구독 가능한 스트림을 구독하면 비동기적으로 이벤트가 생성됨 </a:t>
+            </a:r>
+            <a:endParaRPr lang="en-US" altLang="ko-KR" dirty="0"/>
+          </a:p>
+          <a:p>
+            <a:r>
+              <a:rPr lang="en-US" dirty="0"/>
+              <a:t>Producer – Subscriber </a:t>
+            </a:r>
+            <a:r>
+              <a:rPr lang="ko-KR" altLang="en-US" dirty="0"/>
+              <a:t>사이에 </a:t>
+            </a:r>
+            <a:r>
+              <a:rPr lang="en-US" altLang="ko-KR" dirty="0"/>
+              <a:t>Subscription </a:t>
+            </a:r>
+            <a:r>
+              <a:rPr lang="ko-KR" altLang="en-US" dirty="0"/>
+              <a:t>이 포함됨</a:t>
+            </a:r>
+            <a:endParaRPr lang="en-US" altLang="ko-KR" dirty="0"/>
+          </a:p>
+          <a:p>
+            <a:pPr lvl="1"/>
+            <a:r>
+              <a:rPr lang="en-US" dirty="0"/>
+              <a:t>Producer </a:t>
+            </a:r>
+            <a:r>
+              <a:rPr lang="ko-KR" altLang="en-US" dirty="0"/>
+              <a:t>와 </a:t>
+            </a:r>
+            <a:r>
+              <a:rPr lang="en-US" altLang="ko-KR" dirty="0"/>
+              <a:t>Subscriber </a:t>
+            </a:r>
+            <a:r>
+              <a:rPr lang="ko-KR" altLang="en-US" dirty="0"/>
+              <a:t>의 관계를 분리시킴</a:t>
+            </a:r>
+            <a:endParaRPr lang="en-US" altLang="ko-KR" dirty="0"/>
+          </a:p>
+          <a:p>
+            <a:pPr lvl="1"/>
+            <a:r>
+              <a:rPr lang="ko-KR" altLang="en-US" dirty="0"/>
+              <a:t>이 방식은 매우 유연하며</a:t>
+            </a:r>
+            <a:r>
+              <a:rPr lang="en-US" altLang="ko-KR" dirty="0"/>
+              <a:t>,</a:t>
+            </a:r>
+            <a:r>
+              <a:rPr lang="ko-KR" altLang="en-US" dirty="0"/>
+              <a:t> 흐름을 제어할 수 있음</a:t>
+            </a:r>
+            <a:endParaRPr lang="en-US" altLang="ko-KR" dirty="0"/>
+          </a:p>
+          <a:p>
+            <a:pPr lvl="1"/>
+            <a:r>
+              <a:rPr lang="ko-KR" altLang="en-US" dirty="0"/>
+              <a:t>미사용 데이터를 생성시키지 않아 </a:t>
+            </a:r>
+            <a:r>
+              <a:rPr lang="en-US" altLang="ko-KR" dirty="0"/>
+              <a:t>CPU </a:t>
+            </a:r>
+            <a:r>
+              <a:rPr lang="ko-KR" altLang="en-US" dirty="0"/>
+              <a:t>사용을 감소시킴</a:t>
+            </a:r>
+            <a:endParaRPr lang="en-US" altLang="ko-KR" dirty="0"/>
+          </a:p>
+          <a:p>
+            <a:pPr lvl="1"/>
+            <a:endParaRPr lang="en-US" dirty="0"/>
+          </a:p>
+        </p:txBody>
+      </p:sp>
     </p:spTree>
     <p:extLst>
       <p:ext uri="{BB962C8B-B14F-4D97-AF65-F5344CB8AC3E}">
-        <p14:creationId xmlns:p14="http://schemas.microsoft.com/office/powerpoint/2010/main" val="1853861360"/>
+        <p14:creationId xmlns:p14="http://schemas.microsoft.com/office/powerpoint/2010/main" val="3530980923"/>
       </p:ext>
     </p:extLst>
   </p:cSld>
@@ -12010,7 +12933,7 @@
           <p:cNvPr id="2" name="Title 1">
             <a:extLst>
               <a:ext uri="{FF2B5EF4-FFF2-40B4-BE49-F238E27FC236}">
-                <a16:creationId xmlns:a16="http://schemas.microsoft.com/office/drawing/2014/main" id="{704998A8-2836-054D-BB62-FB8EB7B6F552}"/>
+                <a16:creationId xmlns:a16="http://schemas.microsoft.com/office/drawing/2014/main" id="{7D9CAA75-4312-6B47-985D-CD2910ADF965}"/>
               </a:ext>
             </a:extLst>
           </p:cNvPr>
@@ -12027,149 +12950,78 @@
           <a:lstStyle/>
           <a:p>
             <a:r>
-              <a:rPr lang="en-US" dirty="0" err="1"/>
-              <a:t>RxJava</a:t>
-            </a:r>
-            <a:endParaRPr lang="en-US" dirty="0"/>
-          </a:p>
-        </p:txBody>
-      </p:sp>
-      <p:sp>
-        <p:nvSpPr>
-          <p:cNvPr id="3" name="Content Placeholder 2">
+              <a:rPr lang="en-US" dirty="0"/>
+              <a:t>Search Engines</a:t>
+            </a:r>
+          </a:p>
+        </p:txBody>
+      </p:sp>
+      <p:pic>
+        <p:nvPicPr>
+          <p:cNvPr id="4" name="Content Placeholder 3">
             <a:extLst>
               <a:ext uri="{FF2B5EF4-FFF2-40B4-BE49-F238E27FC236}">
-                <a16:creationId xmlns:a16="http://schemas.microsoft.com/office/drawing/2014/main" id="{27E6F0FA-70E2-754B-810F-694BA4057885}"/>
+                <a16:creationId xmlns:a16="http://schemas.microsoft.com/office/drawing/2014/main" id="{D964F1E9-9830-3548-9461-C07E089CE443}"/>
               </a:ext>
             </a:extLst>
           </p:cNvPr>
-          <p:cNvSpPr>
-            <a:spLocks noGrp="1"/>
-          </p:cNvSpPr>
+          <p:cNvPicPr>
+            <a:picLocks noGrp="1" noChangeAspect="1"/>
+          </p:cNvPicPr>
           <p:nvPr>
             <p:ph idx="1"/>
           </p:nvPr>
-        </p:nvSpPr>
-        <p:spPr/>
-        <p:txBody>
-          <a:bodyPr/>
-          <a:lstStyle/>
-          <a:p>
-            <a:r>
-              <a:rPr lang="en-US" dirty="0"/>
-              <a:t>Observable&lt;T&gt; create(</a:t>
-            </a:r>
-            <a:r>
-              <a:rPr lang="en-US" dirty="0" err="1"/>
-              <a:t>ObservableOnSubscribe</a:t>
-            </a:r>
-            <a:r>
-              <a:rPr lang="en-US" dirty="0"/>
-              <a:t>&lt;T&gt; source);</a:t>
-            </a:r>
-          </a:p>
-          <a:p>
-            <a:r>
-              <a:rPr lang="en-US" dirty="0"/>
-              <a:t>Observable&lt;T&gt; just(T item1, T item2, T item3, …);</a:t>
-            </a:r>
-          </a:p>
-          <a:p>
-            <a:r>
-              <a:rPr lang="en-US" dirty="0"/>
-              <a:t>Observable&lt;T&gt; </a:t>
-            </a:r>
-            <a:r>
-              <a:rPr lang="en-US" dirty="0" err="1"/>
-              <a:t>fromArray</a:t>
-            </a:r>
-            <a:r>
-              <a:rPr lang="en-US" dirty="0"/>
-              <a:t>(T... items);</a:t>
-            </a:r>
-          </a:p>
-          <a:p>
-            <a:r>
-              <a:rPr lang="en-US" dirty="0"/>
-              <a:t>Observable&lt;T&gt; </a:t>
-            </a:r>
-            <a:r>
-              <a:rPr lang="en-US" dirty="0" err="1"/>
-              <a:t>fromFuture</a:t>
-            </a:r>
-            <a:r>
-              <a:rPr lang="en-US" dirty="0"/>
-              <a:t>(Future&lt;? extends T&gt; future);</a:t>
-            </a:r>
-          </a:p>
-          <a:p>
-            <a:r>
-              <a:rPr lang="en-US" dirty="0"/>
-              <a:t>Observable&lt;T&gt; </a:t>
-            </a:r>
-            <a:r>
-              <a:rPr lang="en-US" dirty="0" err="1"/>
-              <a:t>concat</a:t>
-            </a:r>
-            <a:r>
-              <a:rPr lang="en-US" dirty="0"/>
-              <a:t>(</a:t>
-            </a:r>
-            <a:r>
-              <a:rPr lang="en-US" dirty="0" err="1"/>
-              <a:t>ObservableSource</a:t>
-            </a:r>
-            <a:r>
-              <a:rPr lang="en-US" dirty="0"/>
-              <a:t>&lt;? extends T&gt; source1, </a:t>
-            </a:r>
-            <a:r>
-              <a:rPr lang="en-US" dirty="0" err="1"/>
-              <a:t>ObservableSource</a:t>
-            </a:r>
-            <a:r>
-              <a:rPr lang="en-US" dirty="0"/>
-              <a:t>&lt;? extends T&gt; source2);</a:t>
-            </a:r>
-          </a:p>
-          <a:p>
-            <a:r>
-              <a:rPr lang="en-US" dirty="0"/>
-              <a:t>Observable&lt;Long&gt; interval(long period, </a:t>
-            </a:r>
-            <a:r>
-              <a:rPr lang="en-US" dirty="0" err="1"/>
-              <a:t>TimeUnit</a:t>
-            </a:r>
-            <a:r>
-              <a:rPr lang="en-US" dirty="0"/>
-              <a:t> unit);</a:t>
-            </a:r>
-          </a:p>
-          <a:p>
-            <a:pPr lvl="1"/>
-            <a:r>
-              <a:rPr lang="en-US" dirty="0"/>
-              <a:t>Daemon Thread </a:t>
-            </a:r>
-            <a:r>
-              <a:rPr lang="ko-KR" altLang="en-US" dirty="0"/>
-              <a:t>로 동작</a:t>
-            </a:r>
-            <a:endParaRPr lang="en-US" dirty="0"/>
-          </a:p>
-          <a:p>
-            <a:endParaRPr lang="en-US" dirty="0"/>
-          </a:p>
-          <a:p>
-            <a:endParaRPr lang="en-US" dirty="0"/>
-          </a:p>
-        </p:txBody>
-      </p:sp>
+        </p:nvPicPr>
+        <p:blipFill>
+          <a:blip r:embed="rId2"/>
+          <a:stretch>
+            <a:fillRect/>
+          </a:stretch>
+        </p:blipFill>
+        <p:spPr>
+          <a:xfrm>
+            <a:off x="998176" y="1594726"/>
+            <a:ext cx="5892800" cy="3505200"/>
+          </a:xfrm>
+          <a:prstGeom prst="rect">
+            <a:avLst/>
+          </a:prstGeom>
+        </p:spPr>
+      </p:pic>
+      <p:pic>
+        <p:nvPicPr>
+          <p:cNvPr id="6" name="그림 5">
+            <a:extLst>
+              <a:ext uri="{FF2B5EF4-FFF2-40B4-BE49-F238E27FC236}">
+                <a16:creationId xmlns:a16="http://schemas.microsoft.com/office/drawing/2014/main" id="{1AC288AC-B8A9-344D-ACA0-DC2CB1DF2566}"/>
+              </a:ext>
+            </a:extLst>
+          </p:cNvPr>
+          <p:cNvPicPr>
+            <a:picLocks noChangeAspect="1"/>
+          </p:cNvPicPr>
+          <p:nvPr/>
+        </p:nvPicPr>
+        <p:blipFill>
+          <a:blip r:embed="rId3"/>
+          <a:stretch>
+            <a:fillRect/>
+          </a:stretch>
+        </p:blipFill>
+        <p:spPr>
+          <a:xfrm>
+            <a:off x="998176" y="5263274"/>
+            <a:ext cx="5156200" cy="1320800"/>
+          </a:xfrm>
+          <a:prstGeom prst="rect">
+            <a:avLst/>
+          </a:prstGeom>
+        </p:spPr>
+      </p:pic>
     </p:spTree>
     <p:extLst>
       <p:ext uri="{BB962C8B-B14F-4D97-AF65-F5344CB8AC3E}">
-        <p14:creationId xmlns:p14="http://schemas.microsoft.com/office/powerpoint/2010/main" val="3697105878"/>
+        <p14:creationId xmlns:p14="http://schemas.microsoft.com/office/powerpoint/2010/main" val="2660234796"/>
       </p:ext>
     </p:extLst>
   </p:cSld>
@@ -12218,7 +13070,7 @@
           <a:lstStyle/>
           <a:p>
             <a:r>
-              <a:rPr kumimoji="1" lang="en-US" altLang="ko-KR" dirty="0"/>
+              <a:rPr kumimoji="1" lang="en-US" altLang="ko-KR"/>
               <a:t>Why Reactive?</a:t>
             </a:r>
             <a:endParaRPr kumimoji="1" lang="ko-KR" altLang="en-US" dirty="0"/>
@@ -12365,7 +13217,7 @@
           <p:cNvPr id="2" name="Title 1">
             <a:extLst>
               <a:ext uri="{FF2B5EF4-FFF2-40B4-BE49-F238E27FC236}">
-                <a16:creationId xmlns:a16="http://schemas.microsoft.com/office/drawing/2014/main" id="{EDC0E40A-3C74-5849-B4FC-A22A9FC9BCA6}"/>
+                <a16:creationId xmlns:a16="http://schemas.microsoft.com/office/drawing/2014/main" id="{D2FF0148-4670-644F-9BA4-881C905C3913}"/>
               </a:ext>
             </a:extLst>
           </p:cNvPr>
@@ -12382,10 +13234,9 @@
           <a:lstStyle/>
           <a:p>
             <a:r>
-              <a:rPr lang="en-US" dirty="0" err="1"/>
-              <a:t>RxJava</a:t>
-            </a:r>
-            <a:endParaRPr lang="en-US" dirty="0"/>
+              <a:rPr lang="en-US" dirty="0"/>
+              <a:t>Rebuilding our application with Reactor</a:t>
+            </a:r>
           </a:p>
         </p:txBody>
       </p:sp>
@@ -12394,7 +13245,7 @@
           <p:cNvPr id="3" name="Content Placeholder 2">
             <a:extLst>
               <a:ext uri="{FF2B5EF4-FFF2-40B4-BE49-F238E27FC236}">
-                <a16:creationId xmlns:a16="http://schemas.microsoft.com/office/drawing/2014/main" id="{EA16596A-7F0D-DA4A-B762-BEACC8A4151A}"/>
+                <a16:creationId xmlns:a16="http://schemas.microsoft.com/office/drawing/2014/main" id="{4102CE2C-240B-D246-9148-BFFB43C12A52}"/>
               </a:ext>
             </a:extLst>
           </p:cNvPr>
@@ -12411,167 +13262,52 @@
           <a:lstStyle/>
           <a:p>
             <a:r>
-              <a:rPr lang="en-US" dirty="0" err="1"/>
-              <a:t>Deamon</a:t>
-            </a:r>
-            <a:r>
               <a:rPr lang="en-US" dirty="0"/>
-              <a:t> Thread(</a:t>
-            </a:r>
-            <a:r>
-              <a:rPr lang="ko-KR" altLang="en-US" dirty="0" err="1"/>
-              <a:t>데몬쓰레드</a:t>
-            </a:r>
-            <a:r>
-              <a:rPr lang="en-US" altLang="ko-KR" dirty="0"/>
-              <a:t>)</a:t>
-            </a:r>
-          </a:p>
-          <a:p>
-            <a:pPr lvl="1"/>
-            <a:r>
-              <a:rPr lang="ko-KR" altLang="en-US" dirty="0"/>
-              <a:t>다른 일반 </a:t>
-            </a:r>
-            <a:r>
-              <a:rPr lang="ko-KR" altLang="en-US" dirty="0" err="1"/>
-              <a:t>쓰레드</a:t>
-            </a:r>
-            <a:r>
-              <a:rPr lang="en-US" altLang="ko-KR" dirty="0"/>
-              <a:t>(</a:t>
-            </a:r>
-            <a:r>
-              <a:rPr lang="ko-KR" altLang="en-US" dirty="0"/>
-              <a:t>데몬 </a:t>
-            </a:r>
-            <a:r>
-              <a:rPr lang="ko-KR" altLang="en-US" dirty="0" err="1"/>
-              <a:t>쓰레드가</a:t>
-            </a:r>
-            <a:r>
-              <a:rPr lang="ko-KR" altLang="en-US" dirty="0"/>
-              <a:t> 아닌</a:t>
-            </a:r>
-            <a:r>
-              <a:rPr lang="en-US" altLang="ko-KR" dirty="0"/>
-              <a:t>)</a:t>
-            </a:r>
-            <a:r>
-              <a:rPr lang="ko-KR" altLang="en-US" dirty="0"/>
-              <a:t>의 작업을 돕는 보조적인 역할을 수행하는 </a:t>
-            </a:r>
-            <a:r>
-              <a:rPr lang="ko-KR" altLang="en-US" dirty="0" err="1"/>
-              <a:t>쓰레드이다</a:t>
-            </a:r>
-            <a:r>
-              <a:rPr lang="en-US" altLang="ko-KR" dirty="0"/>
-              <a:t>.</a:t>
-            </a:r>
-          </a:p>
-          <a:p>
-            <a:pPr lvl="1"/>
-            <a:r>
-              <a:rPr lang="ko-KR" altLang="en-US" dirty="0"/>
-              <a:t>일반 </a:t>
-            </a:r>
-            <a:r>
-              <a:rPr lang="ko-KR" altLang="en-US" dirty="0" err="1"/>
-              <a:t>쓰레드가</a:t>
-            </a:r>
-            <a:r>
-              <a:rPr lang="ko-KR" altLang="en-US" dirty="0"/>
-              <a:t> 모두 종료되면 데몬 </a:t>
-            </a:r>
-            <a:r>
-              <a:rPr lang="ko-KR" altLang="en-US" dirty="0" err="1"/>
-              <a:t>쓰레드는</a:t>
-            </a:r>
-            <a:r>
-              <a:rPr lang="ko-KR" altLang="en-US" dirty="0"/>
-              <a:t> 강제적으로 </a:t>
-            </a:r>
-            <a:r>
-              <a:rPr lang="ko-KR" altLang="en-US" dirty="0" err="1"/>
-              <a:t>자동종료된다</a:t>
-            </a:r>
-            <a:r>
-              <a:rPr lang="en-US" altLang="ko-KR" dirty="0"/>
-              <a:t>.</a:t>
-            </a:r>
-          </a:p>
-          <a:p>
-            <a:pPr lvl="1"/>
-            <a:r>
-              <a:rPr lang="ko-KR" altLang="en-US" dirty="0" err="1"/>
-              <a:t>데몬쓰레드가</a:t>
-            </a:r>
-            <a:r>
-              <a:rPr lang="ko-KR" altLang="en-US" dirty="0"/>
-              <a:t> 생성한 </a:t>
-            </a:r>
-            <a:r>
-              <a:rPr lang="ko-KR" altLang="en-US" dirty="0" err="1"/>
-              <a:t>쓰레드는</a:t>
-            </a:r>
-            <a:r>
-              <a:rPr lang="ko-KR" altLang="en-US" dirty="0"/>
-              <a:t> 자동으로 데몬 </a:t>
-            </a:r>
-            <a:r>
-              <a:rPr lang="ko-KR" altLang="en-US" dirty="0" err="1"/>
-              <a:t>쓰레드가</a:t>
-            </a:r>
-            <a:r>
-              <a:rPr lang="ko-KR" altLang="en-US" dirty="0"/>
-              <a:t> 된다</a:t>
-            </a:r>
-            <a:r>
-              <a:rPr lang="en-US" altLang="ko-KR" dirty="0"/>
-              <a:t>.</a:t>
-            </a:r>
-          </a:p>
-          <a:p>
-            <a:pPr lvl="2"/>
-            <a:r>
-              <a:rPr lang="ko-KR" altLang="en-US" dirty="0"/>
-              <a:t>예</a:t>
-            </a:r>
-            <a:r>
-              <a:rPr lang="en-US" altLang="ko-KR" dirty="0"/>
-              <a:t>) </a:t>
-            </a:r>
-            <a:r>
-              <a:rPr lang="ko-KR" altLang="en-US" dirty="0" err="1"/>
-              <a:t>가비지컬렉터</a:t>
-            </a:r>
-            <a:r>
-              <a:rPr lang="en-US" altLang="ko-KR" dirty="0"/>
-              <a:t>, </a:t>
-            </a:r>
-            <a:r>
-              <a:rPr lang="ko-KR" altLang="en-US" dirty="0"/>
-              <a:t>워드프로세서의 자동저장</a:t>
-            </a:r>
-            <a:r>
-              <a:rPr lang="en-US" altLang="ko-KR" dirty="0"/>
-              <a:t>, </a:t>
-            </a:r>
-            <a:r>
-              <a:rPr lang="ko-KR" altLang="en-US" dirty="0"/>
-              <a:t>화면자동갱신 등</a:t>
-            </a:r>
-          </a:p>
-          <a:p>
-            <a:endParaRPr lang="en-US" dirty="0"/>
-          </a:p>
-        </p:txBody>
-      </p:sp>
+              <a:t>Let’s rebuilding!</a:t>
+            </a:r>
+          </a:p>
+        </p:txBody>
+      </p:sp>
+      <p:pic>
+        <p:nvPicPr>
+          <p:cNvPr id="4" name="그래픽 3" descr="QR 코드 단색으로 채워진">
+            <a:extLst>
+              <a:ext uri="{FF2B5EF4-FFF2-40B4-BE49-F238E27FC236}">
+                <a16:creationId xmlns:a16="http://schemas.microsoft.com/office/drawing/2014/main" id="{AFDB8C2D-E528-F04C-A093-DF86DB822DEE}"/>
+              </a:ext>
+            </a:extLst>
+          </p:cNvPr>
+          <p:cNvPicPr>
+            <a:picLocks noChangeAspect="1"/>
+          </p:cNvPicPr>
+          <p:nvPr/>
+        </p:nvPicPr>
+        <p:blipFill>
+          <a:blip r:embed="rId2">
+            <a:extLst>
+              <a:ext uri="{96DAC541-7B7A-43D3-8B79-37D633B846F1}">
+                <asvg:svgBlip xmlns:asvg="http://schemas.microsoft.com/office/drawing/2016/SVG/main" r:embed="rId3"/>
+              </a:ext>
+            </a:extLst>
+          </a:blip>
+          <a:stretch>
+            <a:fillRect/>
+          </a:stretch>
+        </p:blipFill>
+        <p:spPr>
+          <a:xfrm>
+            <a:off x="42104" y="61796"/>
+            <a:ext cx="635230" cy="635230"/>
+          </a:xfrm>
+          <a:prstGeom prst="rect">
+            <a:avLst/>
+          </a:prstGeom>
+        </p:spPr>
+      </p:pic>
     </p:spTree>
     <p:extLst>
       <p:ext uri="{BB962C8B-B14F-4D97-AF65-F5344CB8AC3E}">
-        <p14:creationId xmlns:p14="http://schemas.microsoft.com/office/powerpoint/2010/main" val="836000379"/>
+        <p14:creationId xmlns:p14="http://schemas.microsoft.com/office/powerpoint/2010/main" val="1003128278"/>
       </p:ext>
     </p:extLst>
   </p:cSld>
@@ -12603,558 +13339,6 @@
           <p:cNvPr id="2" name="Title 1">
             <a:extLst>
               <a:ext uri="{FF2B5EF4-FFF2-40B4-BE49-F238E27FC236}">
-                <a16:creationId xmlns:a16="http://schemas.microsoft.com/office/drawing/2014/main" id="{EDC0E40A-3C74-5849-B4FC-A22A9FC9BCA6}"/>
-              </a:ext>
-            </a:extLst>
-          </p:cNvPr>
-          <p:cNvSpPr>
-            <a:spLocks noGrp="1"/>
-          </p:cNvSpPr>
-          <p:nvPr>
-            <p:ph type="title"/>
-          </p:nvPr>
-        </p:nvSpPr>
-        <p:spPr/>
-        <p:txBody>
-          <a:bodyPr/>
-          <a:lstStyle/>
-          <a:p>
-            <a:r>
-              <a:rPr lang="en-US" dirty="0" err="1"/>
-              <a:t>RxJava</a:t>
-            </a:r>
-            <a:endParaRPr lang="en-US" dirty="0"/>
-          </a:p>
-        </p:txBody>
-      </p:sp>
-      <p:sp>
-        <p:nvSpPr>
-          <p:cNvPr id="3" name="Content Placeholder 2">
-            <a:extLst>
-              <a:ext uri="{FF2B5EF4-FFF2-40B4-BE49-F238E27FC236}">
-                <a16:creationId xmlns:a16="http://schemas.microsoft.com/office/drawing/2014/main" id="{EA16596A-7F0D-DA4A-B762-BEACC8A4151A}"/>
-              </a:ext>
-            </a:extLst>
-          </p:cNvPr>
-          <p:cNvSpPr>
-            <a:spLocks noGrp="1"/>
-          </p:cNvSpPr>
-          <p:nvPr>
-            <p:ph idx="1"/>
-          </p:nvPr>
-        </p:nvSpPr>
-        <p:spPr/>
-        <p:txBody>
-          <a:bodyPr/>
-          <a:lstStyle/>
-          <a:p>
-            <a:r>
-              <a:rPr lang="en-US" dirty="0"/>
-              <a:t>Operations</a:t>
-            </a:r>
-          </a:p>
-          <a:p>
-            <a:pPr lvl="1"/>
-            <a:r>
-              <a:rPr lang="en-US" dirty="0">
-                <a:hlinkClick r:id="rId2"/>
-              </a:rPr>
-              <a:t>Map operator</a:t>
-            </a:r>
-            <a:r>
-              <a:rPr lang="en-US" dirty="0"/>
-              <a:t> </a:t>
-            </a:r>
-          </a:p>
-          <a:p>
-            <a:pPr lvl="1"/>
-            <a:r>
-              <a:rPr lang="en-US" dirty="0">
-                <a:hlinkClick r:id="rId3"/>
-              </a:rPr>
-              <a:t>Filter operator</a:t>
-            </a:r>
-            <a:endParaRPr lang="en-US" dirty="0"/>
-          </a:p>
-          <a:p>
-            <a:pPr lvl="1"/>
-            <a:r>
-              <a:rPr lang="en-US" dirty="0">
-                <a:hlinkClick r:id="rId4"/>
-              </a:rPr>
-              <a:t>Count operator</a:t>
-            </a:r>
-            <a:endParaRPr lang="en-US" dirty="0"/>
-          </a:p>
-          <a:p>
-            <a:pPr lvl="1"/>
-            <a:r>
-              <a:rPr lang="en-US" dirty="0">
-                <a:hlinkClick r:id="rId5"/>
-              </a:rPr>
-              <a:t>Zip operator</a:t>
-            </a:r>
-            <a:endParaRPr lang="en-US" dirty="0"/>
-          </a:p>
-          <a:p>
-            <a:pPr lvl="1"/>
-            <a:endParaRPr lang="en-US" dirty="0"/>
-          </a:p>
-          <a:p>
-            <a:pPr lvl="1"/>
-            <a:endParaRPr lang="en-US" dirty="0"/>
-          </a:p>
-          <a:p>
-            <a:pPr lvl="1"/>
-            <a:endParaRPr lang="en-US" dirty="0"/>
-          </a:p>
-          <a:p>
-            <a:pPr lvl="1"/>
-            <a:endParaRPr lang="en-US" altLang="ko-KR" dirty="0"/>
-          </a:p>
-          <a:p>
-            <a:pPr lvl="1"/>
-            <a:endParaRPr lang="ko-KR" altLang="en-US" dirty="0"/>
-          </a:p>
-          <a:p>
-            <a:endParaRPr lang="en-US" dirty="0"/>
-          </a:p>
-        </p:txBody>
-      </p:sp>
-    </p:spTree>
-    <p:extLst>
-      <p:ext uri="{BB962C8B-B14F-4D97-AF65-F5344CB8AC3E}">
-        <p14:creationId xmlns:p14="http://schemas.microsoft.com/office/powerpoint/2010/main" val="334497109"/>
-      </p:ext>
-    </p:extLst>
-  </p:cSld>
-  <p:clrMapOvr>
-    <a:masterClrMapping/>
-  </p:clrMapOvr>
-</p:sld>
-</file>
-
-<file path=ppt/slides/slide32.xml><?xml version="1.0" encoding="utf-8"?>
-<p:sld xmlns:a="http://schemas.openxmlformats.org/drawingml/2006/main" xmlns:r="http://schemas.openxmlformats.org/officeDocument/2006/relationships" xmlns:p="http://schemas.openxmlformats.org/presentationml/2006/main">
-  <p:cSld>
-    <p:spTree>
-      <p:nvGrpSpPr>
-        <p:cNvPr id="1" name=""/>
-        <p:cNvGrpSpPr/>
-        <p:nvPr/>
-      </p:nvGrpSpPr>
-      <p:grpSpPr>
-        <a:xfrm>
-          <a:off x="0" y="0"/>
-          <a:ext cx="0" cy="0"/>
-          <a:chOff x="0" y="0"/>
-          <a:chExt cx="0" cy="0"/>
-        </a:xfrm>
-      </p:grpSpPr>
-      <p:sp>
-        <p:nvSpPr>
-          <p:cNvPr id="2" name="Title 1">
-            <a:extLst>
-              <a:ext uri="{FF2B5EF4-FFF2-40B4-BE49-F238E27FC236}">
-                <a16:creationId xmlns:a16="http://schemas.microsoft.com/office/drawing/2014/main" id="{08D65850-DBFB-FD4D-A8DF-7EBA57203B30}"/>
-              </a:ext>
-            </a:extLst>
-          </p:cNvPr>
-          <p:cNvSpPr>
-            <a:spLocks noGrp="1"/>
-          </p:cNvSpPr>
-          <p:nvPr>
-            <p:ph type="title"/>
-          </p:nvPr>
-        </p:nvSpPr>
-        <p:spPr/>
-        <p:txBody>
-          <a:bodyPr/>
-          <a:lstStyle/>
-          <a:p>
-            <a:r>
-              <a:rPr lang="en-US" dirty="0"/>
-              <a:t>Reactive Libraries</a:t>
-            </a:r>
-          </a:p>
-        </p:txBody>
-      </p:sp>
-      <p:sp>
-        <p:nvSpPr>
-          <p:cNvPr id="3" name="Content Placeholder 2">
-            <a:extLst>
-              <a:ext uri="{FF2B5EF4-FFF2-40B4-BE49-F238E27FC236}">
-                <a16:creationId xmlns:a16="http://schemas.microsoft.com/office/drawing/2014/main" id="{3F3CF9EA-C140-7045-A2A9-D1525E270A09}"/>
-              </a:ext>
-            </a:extLst>
-          </p:cNvPr>
-          <p:cNvSpPr>
-            <a:spLocks noGrp="1"/>
-          </p:cNvSpPr>
-          <p:nvPr>
-            <p:ph idx="1"/>
-          </p:nvPr>
-        </p:nvSpPr>
-        <p:spPr/>
-        <p:txBody>
-          <a:bodyPr/>
-          <a:lstStyle/>
-          <a:p>
-            <a:r>
-              <a:rPr lang="en-US" altLang="ko-KR" dirty="0" err="1"/>
-              <a:t>RxJava</a:t>
-            </a:r>
-            <a:r>
-              <a:rPr lang="en-US" altLang="ko-KR" dirty="0"/>
-              <a:t>, </a:t>
-            </a:r>
-            <a:r>
-              <a:rPr lang="en-US" altLang="ko-KR" dirty="0" err="1"/>
-              <a:t>Akka</a:t>
-            </a:r>
-            <a:r>
-              <a:rPr lang="en-US" altLang="ko-KR" dirty="0"/>
-              <a:t>, Reactor</a:t>
-            </a:r>
-          </a:p>
-          <a:p>
-            <a:r>
-              <a:rPr lang="ko-KR" altLang="en-US" dirty="0"/>
-              <a:t>구현은 전부 다를지라도 개념은 같음</a:t>
-            </a:r>
-            <a:endParaRPr lang="en-US" altLang="ko-KR" dirty="0"/>
-          </a:p>
-          <a:p>
-            <a:pPr lvl="1"/>
-            <a:r>
-              <a:rPr lang="ko-KR" altLang="en-US" dirty="0"/>
-              <a:t>구독자가 구독 가능한 스트림을 구독하면 비동기적으로 이벤트가 생성됨 </a:t>
-            </a:r>
-            <a:endParaRPr lang="en-US" altLang="ko-KR" dirty="0"/>
-          </a:p>
-          <a:p>
-            <a:r>
-              <a:rPr lang="en-US" dirty="0"/>
-              <a:t>Producer – Subscriber </a:t>
-            </a:r>
-            <a:r>
-              <a:rPr lang="ko-KR" altLang="en-US" dirty="0"/>
-              <a:t>사이에 </a:t>
-            </a:r>
-            <a:r>
-              <a:rPr lang="en-US" altLang="ko-KR" dirty="0"/>
-              <a:t>Subscription </a:t>
-            </a:r>
-            <a:r>
-              <a:rPr lang="ko-KR" altLang="en-US" dirty="0"/>
-              <a:t>이 포함됨</a:t>
-            </a:r>
-            <a:endParaRPr lang="en-US" altLang="ko-KR" dirty="0"/>
-          </a:p>
-          <a:p>
-            <a:pPr lvl="1"/>
-            <a:r>
-              <a:rPr lang="en-US" dirty="0"/>
-              <a:t>Producer </a:t>
-            </a:r>
-            <a:r>
-              <a:rPr lang="ko-KR" altLang="en-US" dirty="0"/>
-              <a:t>와 </a:t>
-            </a:r>
-            <a:r>
-              <a:rPr lang="en-US" altLang="ko-KR" dirty="0"/>
-              <a:t>Subscriber </a:t>
-            </a:r>
-            <a:r>
-              <a:rPr lang="ko-KR" altLang="en-US" dirty="0"/>
-              <a:t>의 관계를 분리시킴</a:t>
-            </a:r>
-            <a:endParaRPr lang="en-US" altLang="ko-KR" dirty="0"/>
-          </a:p>
-          <a:p>
-            <a:pPr lvl="1"/>
-            <a:r>
-              <a:rPr lang="ko-KR" altLang="en-US" dirty="0"/>
-              <a:t>이 방식은 매우 유연하며</a:t>
-            </a:r>
-            <a:r>
-              <a:rPr lang="en-US" altLang="ko-KR" dirty="0"/>
-              <a:t>,</a:t>
-            </a:r>
-            <a:r>
-              <a:rPr lang="ko-KR" altLang="en-US" dirty="0"/>
-              <a:t> 흐름을 제어할 수 있음</a:t>
-            </a:r>
-            <a:endParaRPr lang="en-US" altLang="ko-KR" dirty="0"/>
-          </a:p>
-          <a:p>
-            <a:pPr lvl="1"/>
-            <a:r>
-              <a:rPr lang="ko-KR" altLang="en-US" dirty="0"/>
-              <a:t>미사용 데이터를 생성시키지 않아 </a:t>
-            </a:r>
-            <a:r>
-              <a:rPr lang="en-US" altLang="ko-KR" dirty="0"/>
-              <a:t>CPU </a:t>
-            </a:r>
-            <a:r>
-              <a:rPr lang="ko-KR" altLang="en-US" dirty="0"/>
-              <a:t>사용을 감소시킴</a:t>
-            </a:r>
-            <a:endParaRPr lang="en-US" altLang="ko-KR" dirty="0"/>
-          </a:p>
-          <a:p>
-            <a:pPr lvl="1"/>
-            <a:endParaRPr lang="en-US" dirty="0"/>
-          </a:p>
-        </p:txBody>
-      </p:sp>
-    </p:spTree>
-    <p:extLst>
-      <p:ext uri="{BB962C8B-B14F-4D97-AF65-F5344CB8AC3E}">
-        <p14:creationId xmlns:p14="http://schemas.microsoft.com/office/powerpoint/2010/main" val="3530980923"/>
-      </p:ext>
-    </p:extLst>
-  </p:cSld>
-  <p:clrMapOvr>
-    <a:masterClrMapping/>
-  </p:clrMapOvr>
-</p:sld>
-</file>
-
-<file path=ppt/slides/slide33.xml><?xml version="1.0" encoding="utf-8"?>
-<p:sld xmlns:a="http://schemas.openxmlformats.org/drawingml/2006/main" xmlns:r="http://schemas.openxmlformats.org/officeDocument/2006/relationships" xmlns:p="http://schemas.openxmlformats.org/presentationml/2006/main">
-  <p:cSld>
-    <p:spTree>
-      <p:nvGrpSpPr>
-        <p:cNvPr id="1" name=""/>
-        <p:cNvGrpSpPr/>
-        <p:nvPr/>
-      </p:nvGrpSpPr>
-      <p:grpSpPr>
-        <a:xfrm>
-          <a:off x="0" y="0"/>
-          <a:ext cx="0" cy="0"/>
-          <a:chOff x="0" y="0"/>
-          <a:chExt cx="0" cy="0"/>
-        </a:xfrm>
-      </p:grpSpPr>
-      <p:sp>
-        <p:nvSpPr>
-          <p:cNvPr id="2" name="Title 1">
-            <a:extLst>
-              <a:ext uri="{FF2B5EF4-FFF2-40B4-BE49-F238E27FC236}">
-                <a16:creationId xmlns:a16="http://schemas.microsoft.com/office/drawing/2014/main" id="{7D9CAA75-4312-6B47-985D-CD2910ADF965}"/>
-              </a:ext>
-            </a:extLst>
-          </p:cNvPr>
-          <p:cNvSpPr>
-            <a:spLocks noGrp="1"/>
-          </p:cNvSpPr>
-          <p:nvPr>
-            <p:ph type="title"/>
-          </p:nvPr>
-        </p:nvSpPr>
-        <p:spPr/>
-        <p:txBody>
-          <a:bodyPr/>
-          <a:lstStyle/>
-          <a:p>
-            <a:r>
-              <a:rPr lang="en-US" dirty="0"/>
-              <a:t>Search Engines</a:t>
-            </a:r>
-          </a:p>
-        </p:txBody>
-      </p:sp>
-      <p:pic>
-        <p:nvPicPr>
-          <p:cNvPr id="4" name="Content Placeholder 3">
-            <a:extLst>
-              <a:ext uri="{FF2B5EF4-FFF2-40B4-BE49-F238E27FC236}">
-                <a16:creationId xmlns:a16="http://schemas.microsoft.com/office/drawing/2014/main" id="{D964F1E9-9830-3548-9461-C07E089CE443}"/>
-              </a:ext>
-            </a:extLst>
-          </p:cNvPr>
-          <p:cNvPicPr>
-            <a:picLocks noGrp="1" noChangeAspect="1"/>
-          </p:cNvPicPr>
-          <p:nvPr>
-            <p:ph idx="1"/>
-          </p:nvPr>
-        </p:nvPicPr>
-        <p:blipFill>
-          <a:blip r:embed="rId2"/>
-          <a:stretch>
-            <a:fillRect/>
-          </a:stretch>
-        </p:blipFill>
-        <p:spPr>
-          <a:xfrm>
-            <a:off x="998176" y="1594726"/>
-            <a:ext cx="5892800" cy="3505200"/>
-          </a:xfrm>
-          <a:prstGeom prst="rect">
-            <a:avLst/>
-          </a:prstGeom>
-        </p:spPr>
-      </p:pic>
-      <p:pic>
-        <p:nvPicPr>
-          <p:cNvPr id="5" name="Picture 4">
-            <a:extLst>
-              <a:ext uri="{FF2B5EF4-FFF2-40B4-BE49-F238E27FC236}">
-                <a16:creationId xmlns:a16="http://schemas.microsoft.com/office/drawing/2014/main" id="{0544EA55-A076-5D46-97E5-D2DA6D1447EF}"/>
-              </a:ext>
-            </a:extLst>
-          </p:cNvPr>
-          <p:cNvPicPr>
-            <a:picLocks noChangeAspect="1"/>
-          </p:cNvPicPr>
-          <p:nvPr/>
-        </p:nvPicPr>
-        <p:blipFill>
-          <a:blip r:embed="rId3"/>
-          <a:stretch>
-            <a:fillRect/>
-          </a:stretch>
-        </p:blipFill>
-        <p:spPr>
-          <a:xfrm>
-            <a:off x="998176" y="5301582"/>
-            <a:ext cx="5041900" cy="1003300"/>
-          </a:xfrm>
-          <a:prstGeom prst="rect">
-            <a:avLst/>
-          </a:prstGeom>
-        </p:spPr>
-      </p:pic>
-    </p:spTree>
-    <p:extLst>
-      <p:ext uri="{BB962C8B-B14F-4D97-AF65-F5344CB8AC3E}">
-        <p14:creationId xmlns:p14="http://schemas.microsoft.com/office/powerpoint/2010/main" val="2660234796"/>
-      </p:ext>
-    </p:extLst>
-  </p:cSld>
-  <p:clrMapOvr>
-    <a:masterClrMapping/>
-  </p:clrMapOvr>
-</p:sld>
-</file>
-
-<file path=ppt/slides/slide34.xml><?xml version="1.0" encoding="utf-8"?>
-<p:sld xmlns:a="http://schemas.openxmlformats.org/drawingml/2006/main" xmlns:r="http://schemas.openxmlformats.org/officeDocument/2006/relationships" xmlns:p="http://schemas.openxmlformats.org/presentationml/2006/main">
-  <p:cSld>
-    <p:spTree>
-      <p:nvGrpSpPr>
-        <p:cNvPr id="1" name=""/>
-        <p:cNvGrpSpPr/>
-        <p:nvPr/>
-      </p:nvGrpSpPr>
-      <p:grpSpPr>
-        <a:xfrm>
-          <a:off x="0" y="0"/>
-          <a:ext cx="0" cy="0"/>
-          <a:chOff x="0" y="0"/>
-          <a:chExt cx="0" cy="0"/>
-        </a:xfrm>
-      </p:grpSpPr>
-      <p:sp>
-        <p:nvSpPr>
-          <p:cNvPr id="2" name="Title 1">
-            <a:extLst>
-              <a:ext uri="{FF2B5EF4-FFF2-40B4-BE49-F238E27FC236}">
-                <a16:creationId xmlns:a16="http://schemas.microsoft.com/office/drawing/2014/main" id="{D2FF0148-4670-644F-9BA4-881C905C3913}"/>
-              </a:ext>
-            </a:extLst>
-          </p:cNvPr>
-          <p:cNvSpPr>
-            <a:spLocks noGrp="1"/>
-          </p:cNvSpPr>
-          <p:nvPr>
-            <p:ph type="title"/>
-          </p:nvPr>
-        </p:nvSpPr>
-        <p:spPr/>
-        <p:txBody>
-          <a:bodyPr/>
-          <a:lstStyle/>
-          <a:p>
-            <a:r>
-              <a:rPr lang="en-US" dirty="0"/>
-              <a:t>Rebuilding our application with </a:t>
-            </a:r>
-            <a:r>
-              <a:rPr lang="en-US" dirty="0" err="1"/>
-              <a:t>RxJava</a:t>
-            </a:r>
-            <a:endParaRPr lang="en-US" dirty="0"/>
-          </a:p>
-        </p:txBody>
-      </p:sp>
-      <p:sp>
-        <p:nvSpPr>
-          <p:cNvPr id="3" name="Content Placeholder 2">
-            <a:extLst>
-              <a:ext uri="{FF2B5EF4-FFF2-40B4-BE49-F238E27FC236}">
-                <a16:creationId xmlns:a16="http://schemas.microsoft.com/office/drawing/2014/main" id="{4102CE2C-240B-D246-9148-BFFB43C12A52}"/>
-              </a:ext>
-            </a:extLst>
-          </p:cNvPr>
-          <p:cNvSpPr>
-            <a:spLocks noGrp="1"/>
-          </p:cNvSpPr>
-          <p:nvPr>
-            <p:ph idx="1"/>
-          </p:nvPr>
-        </p:nvSpPr>
-        <p:spPr/>
-        <p:txBody>
-          <a:bodyPr/>
-          <a:lstStyle/>
-          <a:p>
-            <a:r>
-              <a:rPr lang="en-US" dirty="0"/>
-              <a:t>Let’s rebuilding!</a:t>
-            </a:r>
-          </a:p>
-        </p:txBody>
-      </p:sp>
-    </p:spTree>
-    <p:extLst>
-      <p:ext uri="{BB962C8B-B14F-4D97-AF65-F5344CB8AC3E}">
-        <p14:creationId xmlns:p14="http://schemas.microsoft.com/office/powerpoint/2010/main" val="1003128278"/>
-      </p:ext>
-    </p:extLst>
-  </p:cSld>
-  <p:clrMapOvr>
-    <a:masterClrMapping/>
-  </p:clrMapOvr>
-</p:sld>
-</file>
-
-<file path=ppt/slides/slide35.xml><?xml version="1.0" encoding="utf-8"?>
-<p:sld xmlns:a="http://schemas.openxmlformats.org/drawingml/2006/main" xmlns:r="http://schemas.openxmlformats.org/officeDocument/2006/relationships" xmlns:p="http://schemas.openxmlformats.org/presentationml/2006/main">
-  <p:cSld>
-    <p:spTree>
-      <p:nvGrpSpPr>
-        <p:cNvPr id="1" name=""/>
-        <p:cNvGrpSpPr/>
-        <p:nvPr/>
-      </p:nvGrpSpPr>
-      <p:grpSpPr>
-        <a:xfrm>
-          <a:off x="0" y="0"/>
-          <a:ext cx="0" cy="0"/>
-          <a:chOff x="0" y="0"/>
-          <a:chExt cx="0" cy="0"/>
-        </a:xfrm>
-      </p:grpSpPr>
-      <p:sp>
-        <p:nvSpPr>
-          <p:cNvPr id="2" name="Title 1">
-            <a:extLst>
-              <a:ext uri="{FF2B5EF4-FFF2-40B4-BE49-F238E27FC236}">
                 <a16:creationId xmlns:a16="http://schemas.microsoft.com/office/drawing/2014/main" id="{8AF433EA-236B-E345-B82E-57242F0D6E26}"/>
               </a:ext>
             </a:extLst>
@@ -13537,7 +13721,7 @@
 </p:sld>
 </file>
 
-<file path=ppt/slides/slide36.xml><?xml version="1.0" encoding="utf-8"?>
+<file path=ppt/slides/slide32.xml><?xml version="1.0" encoding="utf-8"?>
 <p:sld xmlns:a="http://schemas.openxmlformats.org/drawingml/2006/main" xmlns:r="http://schemas.openxmlformats.org/officeDocument/2006/relationships" xmlns:p="http://schemas.openxmlformats.org/presentationml/2006/main">
   <p:cSld>
     <p:spTree>
